--- a/modules/4. ML Algorithms/Clustering/Clustering.pptx
+++ b/modules/4. ML Algorithms/Clustering/Clustering.pptx
@@ -6,10 +6,10 @@
     <p:sldMasterId id="2147483782" r:id="rId2"/>
   </p:sldMasterIdLst>
   <p:notesMasterIdLst>
-    <p:notesMasterId r:id="rId26"/>
+    <p:notesMasterId r:id="rId27"/>
   </p:notesMasterIdLst>
   <p:handoutMasterIdLst>
-    <p:handoutMasterId r:id="rId27"/>
+    <p:handoutMasterId r:id="rId28"/>
   </p:handoutMasterIdLst>
   <p:sldIdLst>
     <p:sldId id="402" r:id="rId3"/>
@@ -23,18 +23,19 @@
     <p:sldId id="459" r:id="rId11"/>
     <p:sldId id="460" r:id="rId12"/>
     <p:sldId id="451" r:id="rId13"/>
-    <p:sldId id="452" r:id="rId14"/>
-    <p:sldId id="461" r:id="rId15"/>
-    <p:sldId id="462" r:id="rId16"/>
-    <p:sldId id="463" r:id="rId17"/>
-    <p:sldId id="468" r:id="rId18"/>
-    <p:sldId id="464" r:id="rId19"/>
-    <p:sldId id="465" r:id="rId20"/>
-    <p:sldId id="466" r:id="rId21"/>
-    <p:sldId id="467" r:id="rId22"/>
-    <p:sldId id="413" r:id="rId23"/>
-    <p:sldId id="265" r:id="rId24"/>
-    <p:sldId id="435" r:id="rId25"/>
+    <p:sldId id="469" r:id="rId14"/>
+    <p:sldId id="452" r:id="rId15"/>
+    <p:sldId id="461" r:id="rId16"/>
+    <p:sldId id="462" r:id="rId17"/>
+    <p:sldId id="463" r:id="rId18"/>
+    <p:sldId id="468" r:id="rId19"/>
+    <p:sldId id="464" r:id="rId20"/>
+    <p:sldId id="465" r:id="rId21"/>
+    <p:sldId id="466" r:id="rId22"/>
+    <p:sldId id="467" r:id="rId23"/>
+    <p:sldId id="413" r:id="rId24"/>
+    <p:sldId id="265" r:id="rId25"/>
+    <p:sldId id="435" r:id="rId26"/>
   </p:sldIdLst>
   <p:sldSz cx="12195175" cy="6858000"/>
   <p:notesSz cx="6858000" cy="9144000"/>
@@ -193,7 +194,7 @@
 <file path=ppt/revisionInfo.xml><?xml version="1.0" encoding="utf-8"?>
 <p1510:revInfo xmlns:a="http://schemas.openxmlformats.org/drawingml/2006/main" xmlns:r="http://schemas.openxmlformats.org/officeDocument/2006/relationships" xmlns:p1510="http://schemas.microsoft.com/office/powerpoint/2015/10/main">
   <p1510:revLst>
-    <p1510:client id="{4E89B47A-DB54-4C5E-A5E3-D670F090C987}" v="1361" dt="2019-05-19T18:08:48.076"/>
+    <p1510:client id="{4E89B47A-DB54-4C5E-A5E3-D670F090C987}" v="1420" dt="2019-05-20T04:02:30.048"/>
   </p1510:revLst>
 </p1510:revInfo>
 </file>
@@ -203,7 +204,7 @@
   <pc:docChgLst>
     <pc:chgData name="Joshi, Harshit" userId="30597ebd-45f8-44e9-a4af-78399cda5ac2" providerId="ADAL" clId="{4E89B47A-DB54-4C5E-A5E3-D670F090C987}"/>
     <pc:docChg chg="undo custSel addSld delSld modSld">
-      <pc:chgData name="Joshi, Harshit" userId="30597ebd-45f8-44e9-a4af-78399cda5ac2" providerId="ADAL" clId="{4E89B47A-DB54-4C5E-A5E3-D670F090C987}" dt="2019-05-19T18:08:48.076" v="1358" actId="1076"/>
+      <pc:chgData name="Joshi, Harshit" userId="30597ebd-45f8-44e9-a4af-78399cda5ac2" providerId="ADAL" clId="{4E89B47A-DB54-4C5E-A5E3-D670F090C987}" dt="2019-05-20T04:02:30.048" v="1417"/>
       <pc:docMkLst>
         <pc:docMk/>
       </pc:docMkLst>
@@ -1154,6 +1155,189 @@
           </ac:picMkLst>
         </pc:picChg>
       </pc:sldChg>
+      <pc:sldChg chg="addSp delSp modSp add">
+        <pc:chgData name="Joshi, Harshit" userId="30597ebd-45f8-44e9-a4af-78399cda5ac2" providerId="ADAL" clId="{4E89B47A-DB54-4C5E-A5E3-D670F090C987}" dt="2019-05-20T04:02:30.048" v="1417"/>
+        <pc:sldMkLst>
+          <pc:docMk/>
+          <pc:sldMk cId="3290447990" sldId="469"/>
+        </pc:sldMkLst>
+        <pc:spChg chg="mod">
+          <ac:chgData name="Joshi, Harshit" userId="30597ebd-45f8-44e9-a4af-78399cda5ac2" providerId="ADAL" clId="{4E89B47A-DB54-4C5E-A5E3-D670F090C987}" dt="2019-05-20T03:59:33.338" v="1391" actId="20577"/>
+          <ac:spMkLst>
+            <pc:docMk/>
+            <pc:sldMk cId="3290447990" sldId="469"/>
+            <ac:spMk id="2" creationId="{64BF4290-751C-4B6F-BC9D-9B61173C5695}"/>
+          </ac:spMkLst>
+        </pc:spChg>
+        <pc:picChg chg="add mod">
+          <ac:chgData name="Joshi, Harshit" userId="30597ebd-45f8-44e9-a4af-78399cda5ac2" providerId="ADAL" clId="{4E89B47A-DB54-4C5E-A5E3-D670F090C987}" dt="2019-05-20T03:59:37.603" v="1393" actId="1076"/>
+          <ac:picMkLst>
+            <pc:docMk/>
+            <pc:sldMk cId="3290447990" sldId="469"/>
+            <ac:picMk id="3" creationId="{97A99055-35F0-40F7-914C-BC62A2A15CAA}"/>
+          </ac:picMkLst>
+        </pc:picChg>
+        <pc:picChg chg="add mod modCrop">
+          <ac:chgData name="Joshi, Harshit" userId="30597ebd-45f8-44e9-a4af-78399cda5ac2" providerId="ADAL" clId="{4E89B47A-DB54-4C5E-A5E3-D670F090C987}" dt="2019-05-20T04:00:58.315" v="1397" actId="732"/>
+          <ac:picMkLst>
+            <pc:docMk/>
+            <pc:sldMk cId="3290447990" sldId="469"/>
+            <ac:picMk id="4" creationId="{2451ABA9-B4FB-4FF9-B0C8-655AE10FAB74}"/>
+          </ac:picMkLst>
+        </pc:picChg>
+        <pc:picChg chg="add mod">
+          <ac:chgData name="Joshi, Harshit" userId="30597ebd-45f8-44e9-a4af-78399cda5ac2" providerId="ADAL" clId="{4E89B47A-DB54-4C5E-A5E3-D670F090C987}" dt="2019-05-20T04:02:03.921" v="1412" actId="1076"/>
+          <ac:picMkLst>
+            <pc:docMk/>
+            <pc:sldMk cId="3290447990" sldId="469"/>
+            <ac:picMk id="18" creationId="{88D4459B-115F-4693-AE6E-56C75A269F37}"/>
+          </ac:picMkLst>
+        </pc:picChg>
+        <pc:inkChg chg="add del">
+          <ac:chgData name="Joshi, Harshit" userId="30597ebd-45f8-44e9-a4af-78399cda5ac2" providerId="ADAL" clId="{4E89B47A-DB54-4C5E-A5E3-D670F090C987}" dt="2019-05-20T04:01:10.039" v="1400"/>
+          <ac:inkMkLst>
+            <pc:docMk/>
+            <pc:sldMk cId="3290447990" sldId="469"/>
+            <ac:inkMk id="5" creationId="{9F3ECA3B-5EA4-46F2-B507-B36978F67ED4}"/>
+          </ac:inkMkLst>
+        </pc:inkChg>
+        <pc:inkChg chg="add del">
+          <ac:chgData name="Joshi, Harshit" userId="30597ebd-45f8-44e9-a4af-78399cda5ac2" providerId="ADAL" clId="{4E89B47A-DB54-4C5E-A5E3-D670F090C987}" dt="2019-05-20T04:01:10.039" v="1400"/>
+          <ac:inkMkLst>
+            <pc:docMk/>
+            <pc:sldMk cId="3290447990" sldId="469"/>
+            <ac:inkMk id="6" creationId="{8201BA0D-B710-4EB9-A02B-8E0AC489DDAE}"/>
+          </ac:inkMkLst>
+        </pc:inkChg>
+        <pc:inkChg chg="add">
+          <ac:chgData name="Joshi, Harshit" userId="30597ebd-45f8-44e9-a4af-78399cda5ac2" providerId="ADAL" clId="{4E89B47A-DB54-4C5E-A5E3-D670F090C987}" dt="2019-05-20T04:01:10.039" v="1400"/>
+          <ac:inkMkLst>
+            <pc:docMk/>
+            <pc:sldMk cId="3290447990" sldId="469"/>
+            <ac:inkMk id="7" creationId="{B51952B1-9075-4D32-8392-A0806EDF109F}"/>
+          </ac:inkMkLst>
+        </pc:inkChg>
+        <pc:inkChg chg="add">
+          <ac:chgData name="Joshi, Harshit" userId="30597ebd-45f8-44e9-a4af-78399cda5ac2" providerId="ADAL" clId="{4E89B47A-DB54-4C5E-A5E3-D670F090C987}" dt="2019-05-20T04:01:10.134" v="1401"/>
+          <ac:inkMkLst>
+            <pc:docMk/>
+            <pc:sldMk cId="3290447990" sldId="469"/>
+            <ac:inkMk id="8" creationId="{63CD8C1A-14E3-4EE5-B84D-DD3013281345}"/>
+          </ac:inkMkLst>
+        </pc:inkChg>
+        <pc:inkChg chg="add">
+          <ac:chgData name="Joshi, Harshit" userId="30597ebd-45f8-44e9-a4af-78399cda5ac2" providerId="ADAL" clId="{4E89B47A-DB54-4C5E-A5E3-D670F090C987}" dt="2019-05-20T04:01:11.631" v="1402"/>
+          <ac:inkMkLst>
+            <pc:docMk/>
+            <pc:sldMk cId="3290447990" sldId="469"/>
+            <ac:inkMk id="9" creationId="{B402566F-A891-48AA-B724-D9D4A5DD5C61}"/>
+          </ac:inkMkLst>
+        </pc:inkChg>
+        <pc:inkChg chg="add">
+          <ac:chgData name="Joshi, Harshit" userId="30597ebd-45f8-44e9-a4af-78399cda5ac2" providerId="ADAL" clId="{4E89B47A-DB54-4C5E-A5E3-D670F090C987}" dt="2019-05-20T04:01:12.546" v="1403"/>
+          <ac:inkMkLst>
+            <pc:docMk/>
+            <pc:sldMk cId="3290447990" sldId="469"/>
+            <ac:inkMk id="10" creationId="{36B8049E-E3D5-42A3-AD0C-D8119325BBBE}"/>
+          </ac:inkMkLst>
+        </pc:inkChg>
+        <pc:inkChg chg="add del">
+          <ac:chgData name="Joshi, Harshit" userId="30597ebd-45f8-44e9-a4af-78399cda5ac2" providerId="ADAL" clId="{4E89B47A-DB54-4C5E-A5E3-D670F090C987}" dt="2019-05-20T04:01:15.629" v="1407"/>
+          <ac:inkMkLst>
+            <pc:docMk/>
+            <pc:sldMk cId="3290447990" sldId="469"/>
+            <ac:inkMk id="11" creationId="{FA801EBD-AB1E-4D16-A66C-CF6BF7613894}"/>
+          </ac:inkMkLst>
+        </pc:inkChg>
+        <pc:inkChg chg="add del">
+          <ac:chgData name="Joshi, Harshit" userId="30597ebd-45f8-44e9-a4af-78399cda5ac2" providerId="ADAL" clId="{4E89B47A-DB54-4C5E-A5E3-D670F090C987}" dt="2019-05-20T04:01:15.629" v="1407"/>
+          <ac:inkMkLst>
+            <pc:docMk/>
+            <pc:sldMk cId="3290447990" sldId="469"/>
+            <ac:inkMk id="12" creationId="{C163491A-EF2A-4671-A87C-C541EF20F6F6}"/>
+          </ac:inkMkLst>
+        </pc:inkChg>
+        <pc:inkChg chg="add">
+          <ac:chgData name="Joshi, Harshit" userId="30597ebd-45f8-44e9-a4af-78399cda5ac2" providerId="ADAL" clId="{4E89B47A-DB54-4C5E-A5E3-D670F090C987}" dt="2019-05-20T04:01:14.814" v="1406"/>
+          <ac:inkMkLst>
+            <pc:docMk/>
+            <pc:sldMk cId="3290447990" sldId="469"/>
+            <ac:inkMk id="13" creationId="{E614AD38-4178-46D5-961B-2F2C72884ADF}"/>
+          </ac:inkMkLst>
+        </pc:inkChg>
+        <pc:inkChg chg="add">
+          <ac:chgData name="Joshi, Harshit" userId="30597ebd-45f8-44e9-a4af-78399cda5ac2" providerId="ADAL" clId="{4E89B47A-DB54-4C5E-A5E3-D670F090C987}" dt="2019-05-20T04:01:15.629" v="1407"/>
+          <ac:inkMkLst>
+            <pc:docMk/>
+            <pc:sldMk cId="3290447990" sldId="469"/>
+            <ac:inkMk id="14" creationId="{B364A329-C3DA-4196-B47E-60CDBE044855}"/>
+          </ac:inkMkLst>
+        </pc:inkChg>
+        <pc:inkChg chg="add del">
+          <ac:chgData name="Joshi, Harshit" userId="30597ebd-45f8-44e9-a4af-78399cda5ac2" providerId="ADAL" clId="{4E89B47A-DB54-4C5E-A5E3-D670F090C987}" dt="2019-05-20T04:01:16.929" v="1410"/>
+          <ac:inkMkLst>
+            <pc:docMk/>
+            <pc:sldMk cId="3290447990" sldId="469"/>
+            <ac:inkMk id="15" creationId="{C470BE8D-5331-434C-AB1D-7EC140992B4F}"/>
+          </ac:inkMkLst>
+        </pc:inkChg>
+        <pc:inkChg chg="add del">
+          <ac:chgData name="Joshi, Harshit" userId="30597ebd-45f8-44e9-a4af-78399cda5ac2" providerId="ADAL" clId="{4E89B47A-DB54-4C5E-A5E3-D670F090C987}" dt="2019-05-20T04:01:16.929" v="1410"/>
+          <ac:inkMkLst>
+            <pc:docMk/>
+            <pc:sldMk cId="3290447990" sldId="469"/>
+            <ac:inkMk id="16" creationId="{1CC861B6-C5B4-4A43-8ECB-422AB9DED686}"/>
+          </ac:inkMkLst>
+        </pc:inkChg>
+        <pc:inkChg chg="add">
+          <ac:chgData name="Joshi, Harshit" userId="30597ebd-45f8-44e9-a4af-78399cda5ac2" providerId="ADAL" clId="{4E89B47A-DB54-4C5E-A5E3-D670F090C987}" dt="2019-05-20T04:01:16.929" v="1410"/>
+          <ac:inkMkLst>
+            <pc:docMk/>
+            <pc:sldMk cId="3290447990" sldId="469"/>
+            <ac:inkMk id="17" creationId="{14158E50-1E1F-4E67-A76F-97537BD6DDC1}"/>
+          </ac:inkMkLst>
+        </pc:inkChg>
+        <pc:inkChg chg="add">
+          <ac:chgData name="Joshi, Harshit" userId="30597ebd-45f8-44e9-a4af-78399cda5ac2" providerId="ADAL" clId="{4E89B47A-DB54-4C5E-A5E3-D670F090C987}" dt="2019-05-20T04:02:22.704" v="1413"/>
+          <ac:inkMkLst>
+            <pc:docMk/>
+            <pc:sldMk cId="3290447990" sldId="469"/>
+            <ac:inkMk id="19" creationId="{3D99D4EB-2CE5-4E7D-B7B5-858701A0B7BE}"/>
+          </ac:inkMkLst>
+        </pc:inkChg>
+        <pc:inkChg chg="add del">
+          <ac:chgData name="Joshi, Harshit" userId="30597ebd-45f8-44e9-a4af-78399cda5ac2" providerId="ADAL" clId="{4E89B47A-DB54-4C5E-A5E3-D670F090C987}" dt="2019-05-20T04:02:28.529" v="1416"/>
+          <ac:inkMkLst>
+            <pc:docMk/>
+            <pc:sldMk cId="3290447990" sldId="469"/>
+            <ac:inkMk id="20" creationId="{63D8EC8D-F1C4-4DB6-BBC3-18065F93C9BF}"/>
+          </ac:inkMkLst>
+        </pc:inkChg>
+        <pc:inkChg chg="add del">
+          <ac:chgData name="Joshi, Harshit" userId="30597ebd-45f8-44e9-a4af-78399cda5ac2" providerId="ADAL" clId="{4E89B47A-DB54-4C5E-A5E3-D670F090C987}" dt="2019-05-20T04:02:28.529" v="1416"/>
+          <ac:inkMkLst>
+            <pc:docMk/>
+            <pc:sldMk cId="3290447990" sldId="469"/>
+            <ac:inkMk id="21" creationId="{FA68A5B0-5EA4-4839-B3DC-698B7BEF42BA}"/>
+          </ac:inkMkLst>
+        </pc:inkChg>
+        <pc:inkChg chg="add">
+          <ac:chgData name="Joshi, Harshit" userId="30597ebd-45f8-44e9-a4af-78399cda5ac2" providerId="ADAL" clId="{4E89B47A-DB54-4C5E-A5E3-D670F090C987}" dt="2019-05-20T04:02:28.529" v="1416"/>
+          <ac:inkMkLst>
+            <pc:docMk/>
+            <pc:sldMk cId="3290447990" sldId="469"/>
+            <ac:inkMk id="22" creationId="{E44AD0A2-28D5-47EC-A470-5E6951020F1A}"/>
+          </ac:inkMkLst>
+        </pc:inkChg>
+        <pc:inkChg chg="add">
+          <ac:chgData name="Joshi, Harshit" userId="30597ebd-45f8-44e9-a4af-78399cda5ac2" providerId="ADAL" clId="{4E89B47A-DB54-4C5E-A5E3-D670F090C987}" dt="2019-05-20T04:02:30.048" v="1417"/>
+          <ac:inkMkLst>
+            <pc:docMk/>
+            <pc:sldMk cId="3290447990" sldId="469"/>
+            <ac:inkMk id="23" creationId="{56CC4EC3-271C-44A1-9A39-4E7F27555BE0}"/>
+          </ac:inkMkLst>
+        </pc:inkChg>
+      </pc:sldChg>
     </pc:docChg>
   </pc:docChgLst>
 </pc:chgInfo>
@@ -1270,6 +1454,306 @@
           <inkml:channelProperty channel="Y" name="resolution" value="1000" units="1/cm"/>
         </inkml:channelProperties>
       </inkml:inkSource>
+      <inkml:timestamp xml:id="ts0" timeString="2019-05-20T04:01:12.545"/>
+    </inkml:context>
+    <inkml:brush xml:id="br0">
+      <inkml:brushProperty name="width" value="0.35" units="cm"/>
+      <inkml:brushProperty name="height" value="0.35" units="cm"/>
+      <inkml:brushProperty name="color" value="#FFFFFF"/>
+      <inkml:brushProperty name="ignorePressure" value="1"/>
+    </inkml:brush>
+  </inkml:definitions>
+  <inkml:trace contextRef="#ctx0" brushRef="#br0">1 0</inkml:trace>
+</inkml:ink>
+</file>
+
+<file path=ppt/ink/ink11.xml><?xml version="1.0" encoding="utf-8"?>
+<inkml:ink xmlns:inkml="http://www.w3.org/2003/InkML">
+  <inkml:definitions>
+    <inkml:context xml:id="ctx0">
+      <inkml:inkSource xml:id="inkSrc0">
+        <inkml:traceFormat>
+          <inkml:channel name="X" type="integer" min="-2.14748E9" max="2.14748E9" units="cm"/>
+          <inkml:channel name="Y" type="integer" min="-2.14748E9" max="2.14748E9" units="cm"/>
+        </inkml:traceFormat>
+        <inkml:channelProperties>
+          <inkml:channelProperty channel="X" name="resolution" value="1000" units="1/cm"/>
+          <inkml:channelProperty channel="Y" name="resolution" value="1000" units="1/cm"/>
+        </inkml:channelProperties>
+      </inkml:inkSource>
+      <inkml:timestamp xml:id="ts0" timeString="2019-05-20T04:01:14.814"/>
+    </inkml:context>
+    <inkml:brush xml:id="br0">
+      <inkml:brushProperty name="width" value="0.35" units="cm"/>
+      <inkml:brushProperty name="height" value="0.35" units="cm"/>
+      <inkml:brushProperty name="color" value="#FFFFFF"/>
+      <inkml:brushProperty name="ignorePressure" value="1"/>
+    </inkml:brush>
+  </inkml:definitions>
+  <inkml:trace contextRef="#ctx0" brushRef="#br0">1 0</inkml:trace>
+</inkml:ink>
+</file>
+
+<file path=ppt/ink/ink12.xml><?xml version="1.0" encoding="utf-8"?>
+<inkml:ink xmlns:inkml="http://www.w3.org/2003/InkML">
+  <inkml:definitions>
+    <inkml:context xml:id="ctx0">
+      <inkml:inkSource xml:id="inkSrc0">
+        <inkml:traceFormat>
+          <inkml:channel name="X" type="integer" min="-2.14748E9" max="2.14748E9" units="cm"/>
+          <inkml:channel name="Y" type="integer" min="-2.14748E9" max="2.14748E9" units="cm"/>
+        </inkml:traceFormat>
+        <inkml:channelProperties>
+          <inkml:channelProperty channel="X" name="resolution" value="1000" units="1/cm"/>
+          <inkml:channelProperty channel="Y" name="resolution" value="1000" units="1/cm"/>
+        </inkml:channelProperties>
+      </inkml:inkSource>
+      <inkml:timestamp xml:id="ts0" timeString="2019-05-20T04:01:13.546"/>
+    </inkml:context>
+    <inkml:brush xml:id="br0">
+      <inkml:brushProperty name="width" value="0.35" units="cm"/>
+      <inkml:brushProperty name="height" value="0.35" units="cm"/>
+      <inkml:brushProperty name="color" value="#FFFFFF"/>
+      <inkml:brushProperty name="ignorePressure" value="1"/>
+    </inkml:brush>
+  </inkml:definitions>
+  <inkml:trace contextRef="#ctx0" brushRef="#br0">1 0</inkml:trace>
+  <inkml:trace contextRef="#ctx0" brushRef="#br0" timeOffset="684.004">1 0,'4'0,"5"0,5 0,5 0,2 0,2 0,-3 0</inkml:trace>
+</inkml:ink>
+</file>
+
+<file path=ppt/ink/ink13.xml><?xml version="1.0" encoding="utf-8"?>
+<inkml:ink xmlns:inkml="http://www.w3.org/2003/InkML">
+  <inkml:definitions>
+    <inkml:context xml:id="ctx0">
+      <inkml:inkSource xml:id="inkSrc0">
+        <inkml:traceFormat>
+          <inkml:channel name="X" type="integer" min="-2.14748E9" max="2.14748E9" units="cm"/>
+          <inkml:channel name="Y" type="integer" min="-2.14748E9" max="2.14748E9" units="cm"/>
+        </inkml:traceFormat>
+        <inkml:channelProperties>
+          <inkml:channelProperty channel="X" name="resolution" value="1000" units="1/cm"/>
+          <inkml:channelProperty channel="Y" name="resolution" value="1000" units="1/cm"/>
+        </inkml:channelProperties>
+      </inkml:inkSource>
+      <inkml:timestamp xml:id="ts0" timeString="2019-05-20T04:01:15.995"/>
+    </inkml:context>
+    <inkml:brush xml:id="br0">
+      <inkml:brushProperty name="width" value="0.35" units="cm"/>
+      <inkml:brushProperty name="height" value="0.35" units="cm"/>
+      <inkml:brushProperty name="color" value="#FFFFFF"/>
+      <inkml:brushProperty name="ignorePressure" value="1"/>
+    </inkml:brush>
+  </inkml:definitions>
+  <inkml:trace contextRef="#ctx0" brushRef="#br0">1 0</inkml:trace>
+  <inkml:trace contextRef="#ctx0" brushRef="#br0" timeOffset="317.143">1 0</inkml:trace>
+</inkml:ink>
+</file>
+
+<file path=ppt/ink/ink14.xml><?xml version="1.0" encoding="utf-8"?>
+<inkml:ink xmlns:inkml="http://www.w3.org/2003/InkML">
+  <inkml:definitions>
+    <inkml:context xml:id="ctx0">
+      <inkml:inkSource xml:id="inkSrc0">
+        <inkml:traceFormat>
+          <inkml:channel name="X" type="integer" min="-2.14748E9" max="2.14748E9" units="cm"/>
+          <inkml:channel name="Y" type="integer" min="-2.14748E9" max="2.14748E9" units="cm"/>
+        </inkml:traceFormat>
+        <inkml:channelProperties>
+          <inkml:channelProperty channel="X" name="resolution" value="1000" units="1/cm"/>
+          <inkml:channelProperty channel="Y" name="resolution" value="1000" units="1/cm"/>
+        </inkml:channelProperties>
+      </inkml:inkSource>
+      <inkml:timestamp xml:id="ts0" timeString="2019-05-20T04:02:22.703"/>
+    </inkml:context>
+    <inkml:brush xml:id="br0">
+      <inkml:brushProperty name="width" value="0.35" units="cm"/>
+      <inkml:brushProperty name="height" value="0.35" units="cm"/>
+      <inkml:brushProperty name="color" value="#FFFFFF"/>
+      <inkml:brushProperty name="ignorePressure" value="1"/>
+    </inkml:brush>
+  </inkml:definitions>
+  <inkml:trace contextRef="#ctx0" brushRef="#br0">379 1,'-8'4,"-10"1,-7 4,-6 8,-2 2,-4 1,1 1,3-3,2 0,-1 0,1-2,6-1,3-2,5-4</inkml:trace>
+</inkml:ink>
+</file>
+
+<file path=ppt/ink/ink15.xml><?xml version="1.0" encoding="utf-8"?>
+<inkml:ink xmlns:inkml="http://www.w3.org/2003/InkML">
+  <inkml:definitions>
+    <inkml:context xml:id="ctx0">
+      <inkml:inkSource xml:id="inkSrc0">
+        <inkml:traceFormat>
+          <inkml:channel name="X" type="integer" min="-2.14748E9" max="2.14748E9" units="cm"/>
+          <inkml:channel name="Y" type="integer" min="-2.14748E9" max="2.14748E9" units="cm"/>
+        </inkml:traceFormat>
+        <inkml:channelProperties>
+          <inkml:channelProperty channel="X" name="resolution" value="1000" units="1/cm"/>
+          <inkml:channelProperty channel="Y" name="resolution" value="1000" units="1/cm"/>
+        </inkml:channelProperties>
+      </inkml:inkSource>
+      <inkml:timestamp xml:id="ts0" timeString="2019-05-20T04:02:25.101"/>
+    </inkml:context>
+    <inkml:brush xml:id="br0">
+      <inkml:brushProperty name="width" value="0.35" units="cm"/>
+      <inkml:brushProperty name="height" value="0.35" units="cm"/>
+      <inkml:brushProperty name="color" value="#FFFFFF"/>
+      <inkml:brushProperty name="ignorePressure" value="1"/>
+    </inkml:brush>
+  </inkml:definitions>
+  <inkml:trace contextRef="#ctx0" brushRef="#br0">1039 96,'-12'0,"-12"0,-18 0,-17 0,-18 0,-25 4,-18 1,-8 0,1-1,10-1,18-1,21-1,24-1</inkml:trace>
+  <inkml:trace contextRef="#ctx0" brushRef="#br0" timeOffset="2421.56">642 119,'67'-23,"383"-72,-349 131,-83-26,-3 0</inkml:trace>
+</inkml:ink>
+</file>
+
+<file path=ppt/ink/ink16.xml><?xml version="1.0" encoding="utf-8"?>
+<inkml:ink xmlns:inkml="http://www.w3.org/2003/InkML">
+  <inkml:definitions>
+    <inkml:context xml:id="ctx0">
+      <inkml:inkSource xml:id="inkSrc0">
+        <inkml:traceFormat>
+          <inkml:channel name="X" type="integer" min="-2.14748E9" max="2.14748E9" units="cm"/>
+          <inkml:channel name="Y" type="integer" min="-2.14748E9" max="2.14748E9" units="cm"/>
+        </inkml:traceFormat>
+        <inkml:channelProperties>
+          <inkml:channelProperty channel="X" name="resolution" value="1000" units="1/cm"/>
+          <inkml:channelProperty channel="Y" name="resolution" value="1000" units="1/cm"/>
+        </inkml:channelProperties>
+      </inkml:inkSource>
+      <inkml:timestamp xml:id="ts0" timeString="2019-05-20T04:02:30.047"/>
+    </inkml:context>
+    <inkml:brush xml:id="br0">
+      <inkml:brushProperty name="width" value="0.35" units="cm"/>
+      <inkml:brushProperty name="height" value="0.35" units="cm"/>
+      <inkml:brushProperty name="color" value="#FFFFFF"/>
+      <inkml:brushProperty name="ignorePressure" value="1"/>
+    </inkml:brush>
+  </inkml:definitions>
+  <inkml:trace contextRef="#ctx0" brushRef="#br0">0 1</inkml:trace>
+</inkml:ink>
+</file>
+
+<file path=ppt/ink/ink17.xml><?xml version="1.0" encoding="utf-8"?>
+<inkml:ink xmlns:inkml="http://www.w3.org/2003/InkML">
+  <inkml:definitions>
+    <inkml:context xml:id="ctx0">
+      <inkml:inkSource xml:id="inkSrc0">
+        <inkml:traceFormat>
+          <inkml:channel name="X" type="integer" min="-2.14748E9" max="2.14748E9" units="cm"/>
+          <inkml:channel name="Y" type="integer" min="-2.14748E9" max="2.14748E9" units="cm"/>
+        </inkml:traceFormat>
+        <inkml:channelProperties>
+          <inkml:channelProperty channel="X" name="resolution" value="1000" units="1/cm"/>
+          <inkml:channelProperty channel="Y" name="resolution" value="1000" units="1/cm"/>
+        </inkml:channelProperties>
+      </inkml:inkSource>
+      <inkml:timestamp xml:id="ts0" timeString="2019-04-17T05:51:02.247"/>
+    </inkml:context>
+    <inkml:brush xml:id="br0">
+      <inkml:brushProperty name="width" value="0.35" units="cm"/>
+      <inkml:brushProperty name="height" value="0.35" units="cm"/>
+      <inkml:brushProperty name="color" value="#FFFFFF"/>
+      <inkml:brushProperty name="ignorePressure" value="1"/>
+    </inkml:brush>
+  </inkml:definitions>
+  <inkml:trace contextRef="#ctx0" brushRef="#br0">75 164,'-38'6,"47"-5,18-5,-20 6,-1-2,1 1,0-1,-1 1,1-2,0 1,-1-1,1 0,-1 0,1-1,-1 0,0 0,1-1,-1 1,0-1,-1-1,1 1,0-1,-1 0,0 0,0-1,0 1,-1-1,1 0,-1-1,0 1,-1-1,1 1,-1-1,0 0,-1 0,1-1,-1 1,0 0,-1-1,0 1,1-5,-3 9,1 0,0 1,-1-1,1 1,-1-1,0 1,1 0,-1-1,0 1,0-1,0 1,0 0,0 0,0 0,-1 0,1 0,0 0,0 0,-1 0,1 0,-1 0,1 1,-1-1,1 0,-1 1,1 0,-1-1,1 1,-1 0,0 0,1 0,-1 0,1 0,-1 0,0 0,1 0,-1 1,1-1,-1 1,1-1,-1 1,1 0,-1-1,1 1,0 0,-1 0,1 0,0 0,0 0,-1 1,-77 48,67-40,7-7,1 0,-1 0,1 1,-1 0,1 0,0 0,1 0,-1 0,1 1,-1-1,2 1,-1 0,0 0,1 0,0 1,0-1,0 0,1 1,0 0,0-1,0 1,1 0,-1 206,-26-172,18-26,42-11,133 15,-164-17,-1-1,1 0,0 0,0 0,0 0,-1-1,1 1,0 0,-1-1,1 1,0-1,-1 0,1 1,-1-1,1 0,-1 0,1 0,-1 0,1 0,-1 0,0-1,0 1,1 0,-1-1,0 1,0-1,-1 1,1-1,0 1,0-1,-1 0,1 1,-1-1,1 0,-1 1,0-1,0 0,0 0,0 1,0-1,0 0,0 0,0 1,-1-1,1 0,-1 0,1 1,-1-1,0 1,0-1,0 1,0-1,0 1,0-1,0 1,0 0,-1-2,-7-13</inkml:trace>
+</inkml:ink>
+</file>
+
+<file path=ppt/ink/ink18.xml><?xml version="1.0" encoding="utf-8"?>
+<inkml:ink xmlns:inkml="http://www.w3.org/2003/InkML">
+  <inkml:definitions>
+    <inkml:context xml:id="ctx0">
+      <inkml:inkSource xml:id="inkSrc0">
+        <inkml:traceFormat>
+          <inkml:channel name="X" type="integer" min="-2.14748E9" max="2.14748E9" units="cm"/>
+          <inkml:channel name="Y" type="integer" min="-2.14748E9" max="2.14748E9" units="cm"/>
+        </inkml:traceFormat>
+        <inkml:channelProperties>
+          <inkml:channelProperty channel="X" name="resolution" value="1000" units="1/cm"/>
+          <inkml:channelProperty channel="Y" name="resolution" value="1000" units="1/cm"/>
+        </inkml:channelProperties>
+      </inkml:inkSource>
+      <inkml:timestamp xml:id="ts0" timeString="2019-04-17T05:51:04.881"/>
+    </inkml:context>
+    <inkml:brush xml:id="br0">
+      <inkml:brushProperty name="width" value="0.35" units="cm"/>
+      <inkml:brushProperty name="height" value="0.35" units="cm"/>
+      <inkml:brushProperty name="color" value="#FFFFFF"/>
+      <inkml:brushProperty name="ignorePressure" value="1"/>
+    </inkml:brush>
+  </inkml:definitions>
+  <inkml:trace contextRef="#ctx0" brushRef="#br0">284 90,'-45'34,"40"-31,1 0,-2 0,1-1,0 0,0 0,-1 0,1 0,-1-1,0 0,1 0,-1-1,0 1,0-1,1-1,-1 1,0-1,1 0,-1 0,0 0,1-1,-1 0,1 0,0-1,0 1,0-1,0 0,0 0,-2-3,5 5,1 0,-1-1,1 1,-1-1,1 1,0-1,0 1,0-1,-1 0,2 0,-1 1,0-1,0 0,0 0,1 0,-1 0,1 0,0 0,-1 0,1 0,0 0,0 0,1 0,-1 0,0 0,0 0,1 0,0 0,-1 0,1 0,0 0,0 0,0 0,0 1,0-1,0 0,0 1,1-1,-1 1,1-1,-1 1,1 0,-1-1,1 1,0 0,0 0,0 0,-1 1,1-1,0 0,0 1,0-1,1 1,96-32,-277 38,177-6,0 0,0 1,-1-1,1 1,0-1,0 1,0-1,0 1,0 0,0-1,0 1,0 0,1 0,-1 0,0 0,0 0,1 0,-1 0,0 0,1 0,-1 0,1 0,-1 0,1 0,0 1,0-1,-1 0,1 0,0 0,0 1,0-1,0 0,0 0,0 0,1 1,-1-1,0 0,1 0,-1 0,1 0,-1 0,1 0,-1 0,1 1,0-2,-1 1,1 0,0 0,0 0,0 0,0 0,0-1,0 1,0 0,0-1,0 1,0-1,1 1,63 41,-57-40,0 0,0 0,0-1,0 0,0-1,0 1,0-2,0 1,1-1,-1 0,0-1,0 0,-1 0,1-1,0 0,-1 0,6-4</inkml:trace>
+</inkml:ink>
+</file>
+
+<file path=ppt/ink/ink19.xml><?xml version="1.0" encoding="utf-8"?>
+<inkml:ink xmlns:inkml="http://www.w3.org/2003/InkML">
+  <inkml:definitions>
+    <inkml:context xml:id="ctx0">
+      <inkml:inkSource xml:id="inkSrc0">
+        <inkml:traceFormat>
+          <inkml:channel name="X" type="integer" min="-2.14748E9" max="2.14748E9" units="cm"/>
+          <inkml:channel name="Y" type="integer" min="-2.14748E9" max="2.14748E9" units="cm"/>
+        </inkml:traceFormat>
+        <inkml:channelProperties>
+          <inkml:channelProperty channel="X" name="resolution" value="1000" units="1/cm"/>
+          <inkml:channelProperty channel="Y" name="resolution" value="1000" units="1/cm"/>
+        </inkml:channelProperties>
+      </inkml:inkSource>
+      <inkml:timestamp xml:id="ts0" timeString="2019-04-17T05:51:07.567"/>
+    </inkml:context>
+    <inkml:brush xml:id="br0">
+      <inkml:brushProperty name="width" value="0.35" units="cm"/>
+      <inkml:brushProperty name="height" value="0.35" units="cm"/>
+      <inkml:brushProperty name="color" value="#FFFFFF"/>
+      <inkml:brushProperty name="ignorePressure" value="1"/>
+    </inkml:brush>
+  </inkml:definitions>
+  <inkml:trace contextRef="#ctx0" brushRef="#br0">335 32,'-152'36,"120"-30,28-4,0 0,0 0,-1 0,1-1,0 1,-1-1,1 0,-1 0,1-1,-1 1,0-1,1 0,-1 0,1 0,-1-1,0 0,1 0,-1 0,1 0,0-1,-1 0,1 0,0 0,0 0,0-1,0 1,1-1,-1 0,1 0,0 0,-1-1,1 1,1-1,-1 0,-2-3,5 6,0 0,-1 0,1 0,-1 0,1 0,0 0,0 0,0 0,0 0,0 0,0 0,0 0,0 0,0 0,0 0,0 0,0 0,1 0,-1 0,0 1,1-1,-1 0,1 0,-1 0,1 0,-1 0,1 1,0-1,0 0,-1 0,1 1,0-1,0 1,-1-1,1 1,0-1,0 1,0-1,0 1,0 0,0-1,0 1,0 0,0 0,0 0,0 0,0 0,0 0,0 0,0 0,0 0,0 0,0 1,0-1,0 0,0 1,0-1,-1 0,1 1,0-1,0 1,0 0,60 28,-20-1,-24-17</inkml:trace>
+</inkml:ink>
+</file>
+
+<file path=ppt/ink/ink2.xml><?xml version="1.0" encoding="utf-8"?>
+<inkml:ink xmlns:inkml="http://www.w3.org/2003/InkML">
+  <inkml:definitions>
+    <inkml:context xml:id="ctx0">
+      <inkml:inkSource xml:id="inkSrc0">
+        <inkml:traceFormat>
+          <inkml:channel name="X" type="integer" min="-2.14748E9" max="2.14748E9" units="cm"/>
+          <inkml:channel name="Y" type="integer" min="-2.14748E9" max="2.14748E9" units="cm"/>
+        </inkml:traceFormat>
+        <inkml:channelProperties>
+          <inkml:channelProperty channel="X" name="resolution" value="1000" units="1/cm"/>
+          <inkml:channelProperty channel="Y" name="resolution" value="1000" units="1/cm"/>
+        </inkml:channelProperties>
+      </inkml:inkSource>
+      <inkml:timestamp xml:id="ts0" timeString="2019-05-15T15:39:48.910"/>
+    </inkml:context>
+    <inkml:brush xml:id="br0">
+      <inkml:brushProperty name="width" value="0.1" units="cm"/>
+      <inkml:brushProperty name="height" value="0.1" units="cm"/>
+      <inkml:brushProperty name="color" value="#FFFFFF"/>
+      <inkml:brushProperty name="ignorePressure" value="1"/>
+    </inkml:brush>
+  </inkml:definitions>
+  <inkml:trace contextRef="#ctx0" brushRef="#br0">217 181,'-42'2,"32"0,1-1,-1 0,0 0,0-1,0 0,0-1,1 0,-1-1,0 0,1 0,-1-1,1 0,0-1,0 0,0 0,-4-4,12 6,0 0,0 0,0-1,0 1,0 0,0-1,1 1,-1-1,1 1,0-1,0 1,0 0,0-1,0 1,1-1,-1 1,1-1,-1 1,1 0,0-1,0 1,0 0,0 0,0-1,1 1,-1 0,1 0,-1 1,1-1,0 0,0 0,-1 1,1-1,0 1,1 0,-1-1,0 1,0 0,0 0,1 0,-1 1,1-1,-1 1,0-1,1 1,-1 0,1 0,-1 0,1 0,-1 0,1 0,-1 1,1-1,-1 1,0 0,1 0,-1 0,0 0,1 0,30 8,-30-6,0-1,0 0,0 0,1 0,-1 0,1-1,0 0,-1 1,1-1,0 0,0-1,-1 1,1-1,0 0,0 0,0 0,0 0,0-1,-1 1,1-1,0 0,0 0,-1 0,1-1,-1 1,1-1,-1 0,0 0,1 0,-1-1,0 1,0-1,-1 0,1 1,0-2,-5 0,1-1,-1 1,-1 0,1 0,-1 0,1 0,-1 1,0-1,0 1,-1-1,1 1,-1 0,0 1,0-1,1 1,-2-1,1 1,0 0,0 1,-1-1,1 1,-1 0,1 0,-1 0,1 0,-1 1,0 0,1 0,-1 0,0 1,-1 0,-24-3,5 1</inkml:trace>
+</inkml:ink>
+</file>
+
+<file path=ppt/ink/ink20.xml><?xml version="1.0" encoding="utf-8"?>
+<inkml:ink xmlns:inkml="http://www.w3.org/2003/InkML">
+  <inkml:definitions>
+    <inkml:context xml:id="ctx0">
+      <inkml:inkSource xml:id="inkSrc0">
+        <inkml:traceFormat>
+          <inkml:channel name="X" type="integer" min="-2.14748E9" max="2.14748E9" units="cm"/>
+          <inkml:channel name="Y" type="integer" min="-2.14748E9" max="2.14748E9" units="cm"/>
+        </inkml:traceFormat>
+        <inkml:channelProperties>
+          <inkml:channelProperty channel="X" name="resolution" value="1000" units="1/cm"/>
+          <inkml:channelProperty channel="Y" name="resolution" value="1000" units="1/cm"/>
+        </inkml:channelProperties>
+      </inkml:inkSource>
       <inkml:timestamp xml:id="ts0" timeString="2019-04-17T05:51:10.201"/>
     </inkml:context>
     <inkml:brush xml:id="br0">
@@ -1283,7 +1767,7 @@
 </inkml:ink>
 </file>
 
-<file path=ppt/ink/ink11.xml><?xml version="1.0" encoding="utf-8"?>
+<file path=ppt/ink/ink21.xml><?xml version="1.0" encoding="utf-8"?>
 <inkml:ink xmlns:inkml="http://www.w3.org/2003/InkML">
   <inkml:definitions>
     <inkml:context xml:id="ctx0">
@@ -1313,7 +1797,7 @@
 </inkml:ink>
 </file>
 
-<file path=ppt/ink/ink12.xml><?xml version="1.0" encoding="utf-8"?>
+<file path=ppt/ink/ink22.xml><?xml version="1.0" encoding="utf-8"?>
 <inkml:ink xmlns:inkml="http://www.w3.org/2003/InkML">
   <inkml:definitions>
     <inkml:context xml:id="ctx0">
@@ -1342,7 +1826,7 @@
 </inkml:ink>
 </file>
 
-<file path=ppt/ink/ink13.xml><?xml version="1.0" encoding="utf-8"?>
+<file path=ppt/ink/ink23.xml><?xml version="1.0" encoding="utf-8"?>
 <inkml:ink xmlns:inkml="http://www.w3.org/2003/InkML">
   <inkml:definitions>
     <inkml:context xml:id="ctx0">
@@ -1374,7 +1858,7 @@
 </inkml:ink>
 </file>
 
-<file path=ppt/ink/ink14.xml><?xml version="1.0" encoding="utf-8"?>
+<file path=ppt/ink/ink24.xml><?xml version="1.0" encoding="utf-8"?>
 <inkml:ink xmlns:inkml="http://www.w3.org/2003/InkML">
   <inkml:definitions>
     <inkml:context xml:id="ctx0">
@@ -1417,7 +1901,7 @@
   <inkml:trace contextRef="#ctx0" brushRef="#br0" timeOffset="22301.128">3585 252</inkml:trace>
   <inkml:trace contextRef="#ctx0" brushRef="#br0" timeOffset="22685.674">3645 252</inkml:trace>
   <inkml:trace contextRef="#ctx0" brushRef="#br0" timeOffset="23187.946">3631 232</inkml:trace>
-  <inkml:trace contextRef="#ctx0" brushRef="#br0" timeOffset="23742.629">3578 252</inkml:trace>
+  <inkml:trace contextRef="#ctx0" brushRef="#br0" timeOffset="23742.628">3578 252</inkml:trace>
   <inkml:trace contextRef="#ctx0" brushRef="#br0" timeOffset="25771.74">2368 371</inkml:trace>
   <inkml:trace contextRef="#ctx0" brushRef="#br0" timeOffset="36461.592">0 470,'45'-29,"147"3,-68-57,-84 18,-38 64,-1 0,0 1,0-1,0 0,1 1,-1-1,0 1,1 0,-1-1,0 1,1 0,-1 0,0 0,1 0,-1 0,1 0,-1 0,0 0,1 1,-1-1,0 0,1 1,-1-1,0 1,0 0,0-1,1 1,-1 0,0 0,0 0,0 0,0 0,0 0,0 0,0 0,-1 0,1 0,0 0,-1 1,1-1,0 0,14 11,-7-9,1-1,0 1,0-1,0-1,0 1,0-2,0 1,0-1,0-1,0 1,0-1,0-1,0 0,0 0,-1-1,1 0,-1-1,0 1,1-2,-2 1,1-1,0 0,-1-1,4-4,-10 10,-1-1,0 0,1 0,-1 1,1-1,-1 0,1 1,-1-1,1 0,-1 1,1-1,0 1,-1-1,1 1,0-1,0 1,-1 0,1-1,0 1,0 0,0-1,-1 1,1 0,0 0,0 0,0 0,0 0,-1 0,1 0,0 0,0 0,0 0,0 1,-1-1,1 0,0 0,0 1,0-1,-1 1,1-1,0 1,-1-1,1 1,0-1,-1 1,1-1,-1 1,1 0,-1-1,1 1,-1 0,1 0,-1-1,0 1,1 0,-1 0,0 0,6 62,-3-20,3-36,0-1,0 0,1 0,0 0,0-1,0 1,1-2,0 1,0-1,0 0,0-1,1 0,-1 0,1-1,0 0,-1-1,1 0,0 0,0-1,0 0,0 0,0-1,0 0,0-1,-1 0,5-1,33 1,161 26,-16-2,109-22,-300 1,1-1,-1 0,1 1,-1-1,0 0,1 1,-1-1,1 1,-1-1,0 1,0-1,1 1,-1-1,0 1,0-1,1 1,-1-1,0 1,0 0,0-1,0 1,0-1,0 1,0-1,0 1,0 0,0-1,0 1,-1-1,1 1,0-1,0 1,0-1,-1 1,1-1,0 1,-1-1,1 1,0-1,-1 1,1-1,-1 1,1-1,-1 0,1 1,-1-1,1 0,-1 0,1 1,-1-1,1 0,-1 0,1 0,-1 0,1 1,-1-1,0 0,1 0,-1 0,1 0,-1 0,1 0,-1-1,0 1,1 0,-1 0,-3 2,-2 3</inkml:trace>
   <inkml:trace contextRef="#ctx0" brushRef="#br0" timeOffset="115399.074">4942 186</inkml:trace>
@@ -1425,11 +1909,11 @@
   <inkml:trace contextRef="#ctx0" brushRef="#br0" timeOffset="118429.079">5656 226</inkml:trace>
   <inkml:trace contextRef="#ctx0" brushRef="#br1" timeOffset="128843.985">2263 21</inkml:trace>
   <inkml:trace contextRef="#ctx0" brushRef="#br1" timeOffset="132326.4">2276 1,'0'1,"0"1,2 2,3 0,0 0,1-1,0 2,-2 0,0 0,-3 1,0 1,0-1,-2 2,2 0,1 2,-1-1,0 1,-1-1</inkml:trace>
-  <inkml:trace contextRef="#ctx0" brushRef="#br1" timeOffset="133861.89">2316 47,'-1'14,"1"-12,-1 0,1-1,-1 1,1 0,0-1,0 1,0 0,0-1,0 1,0 0,1-1,-1 1,0-1,1 1,-1 0,1-1,0 1,-1-1,1 1,0-1,0 0,0 1,0-1,0 0,0 1,0-1,1 0,-1 0,0 0,1 0,-1 0,2 0,35 53,-36-47</inkml:trace>
+  <inkml:trace contextRef="#ctx0" brushRef="#br1" timeOffset="133861.889">2316 47,'-1'14,"1"-12,-1 0,1-1,-1 1,1 0,0-1,0 1,0 0,0-1,0 1,0 0,1-1,-1 1,0-1,1 1,-1 0,1-1,0 1,-1-1,1 1,0-1,0 0,0 1,0-1,0 0,0 1,0-1,1 0,-1 0,0 0,1 0,-1 0,2 0,35 53,-36-47</inkml:trace>
 </inkml:ink>
 </file>
 
-<file path=ppt/ink/ink15.xml><?xml version="1.0" encoding="utf-8"?>
+<file path=ppt/ink/ink25.xml><?xml version="1.0" encoding="utf-8"?>
 <inkml:ink xmlns:inkml="http://www.w3.org/2003/InkML">
   <inkml:definitions>
     <inkml:context xml:id="ctx0">
@@ -1456,7 +1940,7 @@
 </inkml:ink>
 </file>
 
-<file path=ppt/ink/ink16.xml><?xml version="1.0" encoding="utf-8"?>
+<file path=ppt/ink/ink26.xml><?xml version="1.0" encoding="utf-8"?>
 <inkml:ink xmlns:inkml="http://www.w3.org/2003/InkML">
   <inkml:definitions>
     <inkml:context xml:id="ctx0">
@@ -1487,7 +1971,7 @@
   </inkml:definitions>
   <inkml:trace contextRef="#ctx0" brushRef="#br0">2881 230,'-30'32,"-82"61,-65-42,549-80,146-45,-247 113,-57-28,-211-10,-1-1,1 0,-1 1,1-1,0 0,-1-1,1 1,-1 0,1-1,-1 1,1-1,-1 0,1 0,-1 0,0 0,1 0,-1-1,0 1,0-1,0 1,0-1,0 0,0 0,-1 0,1 0,-1 0,1 0,-1 0,0 0,1-1,-1 1,0 0,-1-1,1 1,0-1,-1 1,1-1,-1 1,0-1,0 0,0 1,0-2,-78 10,60 0,-45 4,-1-3,0-2,-1-4,-50-4,-11 0,121 4,0-1,0 1,0-1,0 0,0-1,0 1,0-1,0 0,0 0,0 0,1-1,-1 0,0 0,1 0,-1 0,1-1,0 0,0 0,0 0,0 0,0-1,1 1,-1-1,1 0,0 0,0 0,1 0,-1-1,1 1,0-1,0 0,1 1,-1-1,1 0,0 0,0 0,1-1,-10-65,-13 128,18-54,0 0,0-1,0 0,-1 0,1 0,0-1,-1 0,1 0,-1 0,0-1,1 0,-1 0,1 0,-1 0,0-1,1 0,-4-1,-19 0,-136-25,161 26,0-1,-1 1,1 0,0 0,-1 0,1 0,-1 0,1 1,-1-1,1 1,-1 0,1 0,-1 1,1-1,-1 1,1 0,-1-1,1 2,-1-1,1 0,0 1,0-1,0 1,0 0,0 0,0 0,0 0,0 1,1-1,-1 1,1 0,0-1,0 1,0 0,0 0,1 1,-2 1,-5 9,0 0,-1-1,0 0,-1-1,-1 1,0-2,-1 0,0 0,0-1,-1-1,-1 0,0 0,-4 0,-10 2,-1-1,-1-1,0-2,0-1,-1-2,1-1,-30 0,-51 6,72-5,-1-1,0-2,1-2,-1-2,1-2,-1-1,1-2,-32-11,28 5,-1 2,0 1,-1 3,0 2,-1 1,-18 2,61 4,1-1,-1 0,0 0,0 0,1 0,-1-1,0 1,1-1,-1 1,0-1,1 0,-1 0,1 0,-1-1,1 1,-1 0,1-1,0 0,0 1,0-1,0 0,0 0,0 0,0 0,1-1,-1 1,1 0,0-1,0 1,-1-1,1 1,1-1,-1 0,0 1,1-1,-1 0,1 1,0-1,0-2,0 2,1-1,-1 1,-1-1,1 1,0 0,-1-1,0 1,1 0,-1-1,-1 1,1 0,0 0,-1 0,0 0,1 0,-1 0,0 1,-1-1,1 1,0-1,-1 1,1 0,-1 0,0 0,0 0,0 0,0 0,0 1,0 0,0 0,0-1,-1 2,1-1,0 0,-1 1,1-1,0 1,-1 0,-42 0,34-1,1 0,-1 1,1 0,-1 1,1 0,0 1,0 0,0 1,0 0,0 1,0 0,1 1,-1 0,-1 2,-146 145,117-183,-124-118,164 149,-1 0,1 1,-1-1,1 1,0-1,-1 1,1-1,0 1,-1 0,1 0,0 0,0 0,0 0,-1 0,1 0,0 0,1 0,-1 0,0 0,0 1,0-1,1 0,-1 1,1-1,-1 1,1-1,-1 0,1 1,0-1,0 1,0-1,0 1,0-1,0 1,0-1,0 1,1-1,-1 1,1 0,-12 35,4-34,0 0,0-1,0 0,0-1,0 0,0 0,0 0,0-1,-1 0,1 0,0-1,0 0,0 0,0 0,0-1,0 0,0-1,0 0,-1-1,5 3,-126-29,-49 33,23 76,111-61,-81 60,96-49,20-19</inkml:trace>
   <inkml:trace contextRef="#ctx0" brushRef="#br0" timeOffset="-174810.68">513 484</inkml:trace>
-  <inkml:trace contextRef="#ctx0" brushRef="#br0" timeOffset="-172200.645">890 140,'0'-2,"0"0,0-2,0-1,0-1,0-1,1 1,2 1,0-2,-1 0,-1 1,-2 1,-2 2,-1 0,1-1,0 0,1-1,1 1</inkml:trace>
+  <inkml:trace contextRef="#ctx0" brushRef="#br0" timeOffset="-172200.646">890 140,'0'-2,"0"0,0-2,0-1,0-1,0-1,1 1,2 1,0-2,-1 0,-1 1,-2 1,-2 2,-1 0,1-1,0 0,1-1,1 1</inkml:trace>
   <inkml:trace contextRef="#ctx0" brushRef="#br0" timeOffset="-171774.591">884 47</inkml:trace>
   <inkml:trace contextRef="#ctx0" brushRef="#br0" timeOffset="-171358.693">884 34</inkml:trace>
   <inkml:trace contextRef="#ctx0" brushRef="#br0" timeOffset="-166527.865">672 212</inkml:trace>
@@ -1499,46 +1983,19 @@
   <inkml:trace contextRef="#ctx0" brushRef="#br0" timeOffset="-162272.192">645 179</inkml:trace>
   <inkml:trace contextRef="#ctx0" brushRef="#br0" timeOffset="-161904.603">632 179</inkml:trace>
   <inkml:trace contextRef="#ctx0" brushRef="#br0" timeOffset="-161406.943">526 199,'-1'0,"-1"0,-2 0,-1 0</inkml:trace>
-  <inkml:trace contextRef="#ctx0" brushRef="#br0" timeOffset="-161151.677">487 199</inkml:trace>
+  <inkml:trace contextRef="#ctx0" brushRef="#br0" timeOffset="-161151.678">487 199</inkml:trace>
   <inkml:trace contextRef="#ctx0" brushRef="#br0" timeOffset="-160871.103">460 193</inkml:trace>
   <inkml:trace contextRef="#ctx0" brushRef="#br0" timeOffset="-160199.976">440 179</inkml:trace>
   <inkml:trace contextRef="#ctx0" brushRef="#br0" timeOffset="-159616.876">427 159</inkml:trace>
   <inkml:trace contextRef="#ctx0" brushRef="#br0" timeOffset="-159087.843">381 219</inkml:trace>
-  <inkml:trace contextRef="#ctx0" brushRef="#br0" timeOffset="-157736.278">553 179</inkml:trace>
+  <inkml:trace contextRef="#ctx0" brushRef="#br0" timeOffset="-157736.279">553 179</inkml:trace>
   <inkml:trace contextRef="#ctx0" brushRef="#br0" timeOffset="-157351.889">599 186</inkml:trace>
-  <inkml:trace contextRef="#ctx0" brushRef="#br0" timeOffset="-156951.647">626 173</inkml:trace>
+  <inkml:trace contextRef="#ctx0" brushRef="#br0" timeOffset="-156951.648">626 173</inkml:trace>
   <inkml:trace contextRef="#ctx0" brushRef="#br0" timeOffset="-155751.781">712 166</inkml:trace>
   <inkml:trace contextRef="#ctx0" brushRef="#br0" timeOffset="-154444.026">692 166,'-1'2,"-1"1</inkml:trace>
-  <inkml:trace contextRef="#ctx0" brushRef="#br1" timeOffset="-147374.737">414 1</inkml:trace>
+  <inkml:trace contextRef="#ctx0" brushRef="#br1" timeOffset="-147374.738">414 1</inkml:trace>
   <inkml:trace contextRef="#ctx0" brushRef="#br1" timeOffset="-146574.652">421 14</inkml:trace>
   <inkml:trace contextRef="#ctx0" brushRef="#br1" timeOffset="-146238.023">434 27</inkml:trace>
-</inkml:ink>
-</file>
-
-<file path=ppt/ink/ink2.xml><?xml version="1.0" encoding="utf-8"?>
-<inkml:ink xmlns:inkml="http://www.w3.org/2003/InkML">
-  <inkml:definitions>
-    <inkml:context xml:id="ctx0">
-      <inkml:inkSource xml:id="inkSrc0">
-        <inkml:traceFormat>
-          <inkml:channel name="X" type="integer" min="-2.14748E9" max="2.14748E9" units="cm"/>
-          <inkml:channel name="Y" type="integer" min="-2.14748E9" max="2.14748E9" units="cm"/>
-        </inkml:traceFormat>
-        <inkml:channelProperties>
-          <inkml:channelProperty channel="X" name="resolution" value="1000" units="1/cm"/>
-          <inkml:channelProperty channel="Y" name="resolution" value="1000" units="1/cm"/>
-        </inkml:channelProperties>
-      </inkml:inkSource>
-      <inkml:timestamp xml:id="ts0" timeString="2019-05-15T15:39:48.910"/>
-    </inkml:context>
-    <inkml:brush xml:id="br0">
-      <inkml:brushProperty name="width" value="0.1" units="cm"/>
-      <inkml:brushProperty name="height" value="0.1" units="cm"/>
-      <inkml:brushProperty name="color" value="#FFFFFF"/>
-      <inkml:brushProperty name="ignorePressure" value="1"/>
-    </inkml:brush>
-  </inkml:definitions>
-  <inkml:trace contextRef="#ctx0" brushRef="#br0">217 181,'-42'2,"32"0,1-1,-1 0,0 0,0-1,0 0,0-1,1 0,-1-1,0 0,1 0,-1-1,1 0,0-1,0 0,0 0,-4-4,12 6,0 0,0 0,0-1,0 1,0 0,0-1,1 1,-1-1,1 1,0-1,0 1,0 0,0-1,0 1,1-1,-1 1,1-1,-1 1,1 0,0-1,0 1,0 0,0 0,0-1,1 1,-1 0,1 0,-1 1,1-1,0 0,0 0,-1 1,1-1,0 1,1 0,-1-1,0 1,0 0,0 0,1 0,-1 1,1-1,-1 1,0-1,1 1,-1 0,1 0,-1 0,1 0,-1 0,1 0,-1 1,1-1,-1 1,0 0,1 0,-1 0,0 0,1 0,30 8,-30-6,0-1,0 0,0 0,1 0,-1 0,1-1,0 0,-1 1,1-1,0 0,0-1,-1 1,1-1,0 0,0 0,0 0,0 0,0-1,-1 1,1-1,0 0,0 0,-1 0,1-1,-1 1,1-1,-1 0,0 0,1 0,-1-1,0 1,0-1,-1 0,1 1,0-2,-5 0,1-1,-1 1,-1 0,1 0,-1 0,1 0,-1 1,0-1,0 1,-1-1,1 1,-1 0,0 1,0-1,1 1,-2-1,1 1,0 0,0 1,-1-1,1 1,-1 0,1 0,-1 0,1 0,-1 1,0 0,1 0,-1 0,0 1,-1 0,-24-3,5 1</inkml:trace>
 </inkml:ink>
 </file>
 
@@ -1566,7 +2023,7 @@
     </inkml:brush>
   </inkml:definitions>
   <inkml:trace contextRef="#ctx0" brushRef="#br0">7 1</inkml:trace>
-  <inkml:trace contextRef="#ctx0" brushRef="#br0" timeOffset="1425.352">29 1,'128'50,"-127"-49,0 0,0 0,0 0,0 0,0 0,0 0,0 0,-1 0,1 1,0-1,-1 0,1 0,-1 1,0-1,1 0,-1 1,0-1,0 1,0-1,0 0,0 1,0-1,0 0,0 1,0-1,-1 1,1-1,-1 0,1 0,-1 1,1-1,-1 0,0 0,0 0,1 1,-1-1,0 0,0 0,0 0,0-1,0 1,0 0,-1 0,1 0,0-1,0 1,-1-1,1 1,0-1,-1 1,1-1,0 0,-1 0,1 1,0-1,-1 0,-83 24,84-24,0 1,0 0,-1 0,1-1,0 1,-1-1,1 1,0-1,-1 0,1 0,-1 1,1-1,0 0,-1 0,1 0,-1 0,1-1,0 1,-1 0,1-1,-1 1,1-1,0 1,0-1,-1 1,1-1,0 0,0 0,0 0,0 0,-1 0,1 0,1 0,-1 0,0 0,0 0,0 0,1 0,-1-1,0 1,1 0,-1-1,1 1,0 0,-1-1,1 1,0-1,0 1,0 0,0-1,0 1,0-1,0 1,0 0,1-1,-1 1,1-1,-1 1,1 0,-1 0,1-1,0 1,-1 0,1 0,0 0,0 0,1-1,101-40,-102 52,-10-4</inkml:trace>
+  <inkml:trace contextRef="#ctx0" brushRef="#br0" timeOffset="1425.351">29 1,'128'50,"-127"-49,0 0,0 0,0 0,0 0,0 0,0 0,0 0,-1 0,1 1,0-1,-1 0,1 0,-1 1,0-1,1 0,-1 1,0-1,0 1,0-1,0 0,0 1,0-1,0 0,0 1,0-1,-1 1,1-1,-1 0,1 0,-1 1,1-1,-1 0,0 0,0 0,1 1,-1-1,0 0,0 0,0 0,0-1,0 1,0 0,-1 0,1 0,0-1,0 1,-1-1,1 1,0-1,-1 1,1-1,0 0,-1 0,1 1,0-1,-1 0,-83 24,84-24,0 1,0 0,-1 0,1-1,0 1,-1-1,1 1,0-1,-1 0,1 0,-1 1,1-1,0 0,-1 0,1 0,-1 0,1-1,0 1,-1 0,1-1,-1 1,1-1,0 1,0-1,-1 1,1-1,0 0,0 0,0 0,0 0,-1 0,1 0,1 0,-1 0,0 0,0 0,0 0,1 0,-1-1,0 1,1 0,-1-1,1 1,0 0,-1-1,1 1,0-1,0 1,0 0,0-1,0 1,0-1,0 1,0 0,1-1,-1 1,1-1,-1 1,1 0,-1 0,1-1,0 1,-1 0,1 0,0 0,0 0,1-1,101-40,-102 52,-10-4</inkml:trace>
 </inkml:ink>
 </file>
 
@@ -1666,7 +2123,7 @@
           <inkml:channelProperty channel="Y" name="resolution" value="1000" units="1/cm"/>
         </inkml:channelProperties>
       </inkml:inkSource>
-      <inkml:timestamp xml:id="ts0" timeString="2019-04-17T05:51:02.247"/>
+      <inkml:timestamp xml:id="ts0" timeString="2019-05-20T04:01:09.046"/>
     </inkml:context>
     <inkml:brush xml:id="br0">
       <inkml:brushProperty name="width" value="0.35" units="cm"/>
@@ -1675,7 +2132,8 @@
       <inkml:brushProperty name="ignorePressure" value="1"/>
     </inkml:brush>
   </inkml:definitions>
-  <inkml:trace contextRef="#ctx0" brushRef="#br0">75 164,'-38'6,"47"-5,18-5,-20 6,-1-2,1 1,0-1,-1 1,1-2,0 1,-1-1,1 0,-1 0,1-1,-1 0,0 0,1-1,-1 1,0-1,-1-1,1 1,0-1,-1 0,0 0,0-1,0 1,-1-1,1 0,-1-1,0 1,-1-1,1 1,-1-1,0 0,-1 0,1-1,-1 1,0 0,-1-1,0 1,1-5,-3 9,1 0,0 1,-1-1,1 1,-1-1,0 1,1 0,-1-1,0 1,0-1,0 1,0 0,0 0,0 0,-1 0,1 0,0 0,0 0,-1 0,1 0,-1 0,1 1,-1-1,1 0,-1 1,1 0,-1-1,1 1,-1 0,0 0,1 0,-1 0,1 0,-1 0,0 0,1 0,-1 1,1-1,-1 1,1-1,-1 1,1 0,-1-1,1 1,0 0,-1 0,1 0,0 0,0 0,-1 1,-77 48,67-40,7-7,1 0,-1 0,1 1,-1 0,1 0,0 0,1 0,-1 0,1 1,-1-1,2 1,-1 0,0 0,1 0,0 1,0-1,0 0,1 1,0 0,0-1,0 1,1 0,-1 206,-26-172,18-26,42-11,133 15,-164-17,-1-1,1 0,0 0,0 0,0 0,-1-1,1 1,0 0,-1-1,1 1,0-1,-1 0,1 1,-1-1,1 0,-1 0,1 0,-1 0,1 0,-1 0,0-1,0 1,1 0,-1-1,0 1,0-1,-1 1,1-1,0 1,0-1,-1 0,1 1,-1-1,1 0,-1 1,0-1,0 0,0 0,0 1,0-1,0 0,0 0,0 1,-1-1,1 0,-1 0,1 1,-1-1,0 1,0-1,0 1,0-1,0 1,0-1,0 1,0 0,-1-2,-7-13</inkml:trace>
+  <inkml:trace contextRef="#ctx0" brushRef="#br0">0 0</inkml:trace>
+  <inkml:trace contextRef="#ctx0" brushRef="#br0" timeOffset="311.999">0 0</inkml:trace>
 </inkml:ink>
 </file>
 
@@ -1693,7 +2151,7 @@
           <inkml:channelProperty channel="Y" name="resolution" value="1000" units="1/cm"/>
         </inkml:channelProperties>
       </inkml:inkSource>
-      <inkml:timestamp xml:id="ts0" timeString="2019-04-17T05:51:04.881"/>
+      <inkml:timestamp xml:id="ts0" timeString="2019-05-20T04:01:10.133"/>
     </inkml:context>
     <inkml:brush xml:id="br0">
       <inkml:brushProperty name="width" value="0.35" units="cm"/>
@@ -1702,7 +2160,7 @@
       <inkml:brushProperty name="ignorePressure" value="1"/>
     </inkml:brush>
   </inkml:definitions>
-  <inkml:trace contextRef="#ctx0" brushRef="#br0">284 90,'-45'34,"40"-31,1 0,-2 0,1-1,0 0,0 0,-1 0,1 0,-1-1,0 0,1 0,-1-1,0 1,0-1,1-1,-1 1,0-1,1 0,-1 0,0 0,1-1,-1 0,1 0,0-1,0 1,0-1,0 0,0 0,-2-3,5 5,1 0,-1-1,1 1,-1-1,1 1,0-1,0 1,0-1,-1 0,2 0,-1 1,0-1,0 0,0 0,1 0,-1 0,1 0,0 0,-1 0,1 0,0 0,0 0,1 0,-1 0,0 0,0 0,1 0,0 0,-1 0,1 0,0 0,0 0,0 0,0 1,0-1,0 0,0 1,1-1,-1 1,1-1,-1 1,1 0,-1-1,1 1,0 0,0 0,0 0,-1 1,1-1,0 0,0 1,0-1,1 1,96-32,-277 38,177-6,0 0,0 1,-1-1,1 1,0-1,0 1,0-1,0 1,0 0,0-1,0 1,0 0,1 0,-1 0,0 0,0 0,1 0,-1 0,0 0,1 0,-1 0,1 0,-1 0,1 0,0 1,0-1,-1 0,1 0,0 0,0 1,0-1,0 0,0 0,0 0,1 1,-1-1,0 0,1 0,-1 0,1 0,-1 0,1 0,-1 0,1 1,0-2,-1 1,1 0,0 0,0 0,0 0,0 0,0-1,0 1,0 0,0-1,0 1,0-1,1 1,63 41,-57-40,0 0,0 0,0-1,0 0,0-1,0 1,0-2,0 1,1-1,-1 0,0-1,0 0,-1 0,1-1,0 0,-1 0,6-4</inkml:trace>
+  <inkml:trace contextRef="#ctx0" brushRef="#br0">0 0</inkml:trace>
 </inkml:ink>
 </file>
 
@@ -1720,7 +2178,7 @@
           <inkml:channelProperty channel="Y" name="resolution" value="1000" units="1/cm"/>
         </inkml:channelProperties>
       </inkml:inkSource>
-      <inkml:timestamp xml:id="ts0" timeString="2019-04-17T05:51:07.567"/>
+      <inkml:timestamp xml:id="ts0" timeString="2019-05-20T04:01:11.629"/>
     </inkml:context>
     <inkml:brush xml:id="br0">
       <inkml:brushProperty name="width" value="0.35" units="cm"/>
@@ -1729,7 +2187,7 @@
       <inkml:brushProperty name="ignorePressure" value="1"/>
     </inkml:brush>
   </inkml:definitions>
-  <inkml:trace contextRef="#ctx0" brushRef="#br0">335 32,'-152'36,"120"-30,28-4,0 0,0 0,-1 0,1-1,0 1,-1-1,1 0,-1 0,1-1,-1 1,0-1,1 0,-1 0,1 0,-1-1,0 0,1 0,-1 0,1 0,0-1,-1 0,1 0,0 0,0 0,0-1,0 1,1-1,-1 0,1 0,0 0,-1-1,1 1,1-1,-1 0,-2-3,5 6,0 0,-1 0,1 0,-1 0,1 0,0 0,0 0,0 0,0 0,0 0,0 0,0 0,0 0,0 0,0 0,0 0,0 0,1 0,-1 0,0 1,1-1,-1 0,1 0,-1 0,1 0,-1 0,1 1,0-1,0 0,-1 0,1 1,0-1,0 1,-1-1,1 1,0-1,0 1,0-1,0 1,0 0,0-1,0 1,0 0,0 0,0 0,0 0,0 0,0 0,0 0,0 0,0 0,0 0,0 1,0-1,0 0,0 1,0-1,-1 0,1 1,0-1,0 1,0 0,60 28,-20-1,-24-17</inkml:trace>
+  <inkml:trace contextRef="#ctx0" brushRef="#br0">0 23,'0'-4,"4"-1,6 0,8 1,5 1,0 1</inkml:trace>
 </inkml:ink>
 </file>
 
@@ -2026,7 +2484,7 @@
             <a:fld id="{7D8C2C35-2B8A-446E-BEC0-FD36716C29AC}" type="slidenum">
               <a:rPr lang="de-DE" smtClean="0"/>
               <a:pPr/>
-              <a:t>22</a:t>
+              <a:t>23</a:t>
             </a:fld>
             <a:endParaRPr lang="de-DE" dirty="0"/>
           </a:p>
@@ -10195,6 +10653,663 @@
 </file>
 
 <file path=ppt/slides/slide12.xml><?xml version="1.0" encoding="utf-8"?>
+<p:sld xmlns:a="http://schemas.openxmlformats.org/drawingml/2006/main" xmlns:r="http://schemas.openxmlformats.org/officeDocument/2006/relationships" xmlns:p="http://schemas.openxmlformats.org/presentationml/2006/main">
+  <p:cSld>
+    <p:spTree>
+      <p:nvGrpSpPr>
+        <p:cNvPr id="1" name=""/>
+        <p:cNvGrpSpPr/>
+        <p:nvPr/>
+      </p:nvGrpSpPr>
+      <p:grpSpPr>
+        <a:xfrm>
+          <a:off x="0" y="0"/>
+          <a:ext cx="0" cy="0"/>
+          <a:chOff x="0" y="0"/>
+          <a:chExt cx="0" cy="0"/>
+        </a:xfrm>
+      </p:grpSpPr>
+      <p:sp>
+        <p:nvSpPr>
+          <p:cNvPr id="2" name="Title 1">
+            <a:extLst>
+              <a:ext uri="{FF2B5EF4-FFF2-40B4-BE49-F238E27FC236}">
+                <a16:creationId xmlns:a16="http://schemas.microsoft.com/office/drawing/2014/main" id="{64BF4290-751C-4B6F-BC9D-9B61173C5695}"/>
+              </a:ext>
+            </a:extLst>
+          </p:cNvPr>
+          <p:cNvSpPr>
+            <a:spLocks noGrp="1"/>
+          </p:cNvSpPr>
+          <p:nvPr>
+            <p:ph type="title"/>
+          </p:nvPr>
+        </p:nvSpPr>
+        <p:spPr/>
+        <p:txBody>
+          <a:bodyPr/>
+          <a:lstStyle/>
+          <a:p>
+            <a:r>
+              <a:rPr lang="en-US" dirty="0"/>
+              <a:t>K-Means optimization objective</a:t>
+            </a:r>
+          </a:p>
+        </p:txBody>
+      </p:sp>
+      <p:pic>
+        <p:nvPicPr>
+          <p:cNvPr id="3" name="Picture 2">
+            <a:extLst>
+              <a:ext uri="{FF2B5EF4-FFF2-40B4-BE49-F238E27FC236}">
+                <a16:creationId xmlns:a16="http://schemas.microsoft.com/office/drawing/2014/main" id="{97A99055-35F0-40F7-914C-BC62A2A15CAA}"/>
+              </a:ext>
+            </a:extLst>
+          </p:cNvPr>
+          <p:cNvPicPr>
+            <a:picLocks noChangeAspect="1"/>
+          </p:cNvPicPr>
+          <p:nvPr/>
+        </p:nvPicPr>
+        <p:blipFill>
+          <a:blip r:embed="rId2"/>
+          <a:stretch>
+            <a:fillRect/>
+          </a:stretch>
+        </p:blipFill>
+        <p:spPr>
+          <a:xfrm>
+            <a:off x="504001" y="1121197"/>
+            <a:ext cx="7343775" cy="1209675"/>
+          </a:xfrm>
+          <a:prstGeom prst="rect">
+            <a:avLst/>
+          </a:prstGeom>
+        </p:spPr>
+      </p:pic>
+      <p:pic>
+        <p:nvPicPr>
+          <p:cNvPr id="4" name="Picture 3">
+            <a:extLst>
+              <a:ext uri="{FF2B5EF4-FFF2-40B4-BE49-F238E27FC236}">
+                <a16:creationId xmlns:a16="http://schemas.microsoft.com/office/drawing/2014/main" id="{2451ABA9-B4FB-4FF9-B0C8-655AE10FAB74}"/>
+              </a:ext>
+            </a:extLst>
+          </p:cNvPr>
+          <p:cNvPicPr>
+            <a:picLocks noChangeAspect="1"/>
+          </p:cNvPicPr>
+          <p:nvPr/>
+        </p:nvPicPr>
+        <p:blipFill rotWithShape="1">
+          <a:blip r:embed="rId3"/>
+          <a:srcRect/>
+          <a:stretch/>
+        </p:blipFill>
+        <p:spPr>
+          <a:xfrm>
+            <a:off x="504001" y="2330872"/>
+            <a:ext cx="7324725" cy="723900"/>
+          </a:xfrm>
+          <a:prstGeom prst="rect">
+            <a:avLst/>
+          </a:prstGeom>
+        </p:spPr>
+      </p:pic>
+      <mc:AlternateContent xmlns:mc="http://schemas.openxmlformats.org/markup-compatibility/2006">
+        <mc:Choice xmlns:p14="http://schemas.microsoft.com/office/powerpoint/2010/main" Requires="p14">
+          <p:contentPart p14:bwMode="auto" r:id="rId4">
+            <p14:nvContentPartPr>
+              <p14:cNvPr id="7" name="Ink 6">
+                <a:extLst>
+                  <a:ext uri="{FF2B5EF4-FFF2-40B4-BE49-F238E27FC236}">
+                    <a16:creationId xmlns:a16="http://schemas.microsoft.com/office/drawing/2014/main" id="{B51952B1-9075-4D32-8392-A0806EDF109F}"/>
+                  </a:ext>
+                </a:extLst>
+              </p14:cNvPr>
+              <p14:cNvContentPartPr/>
+              <p14:nvPr/>
+            </p14:nvContentPartPr>
+            <p14:xfrm>
+              <a:off x="3195779" y="2365289"/>
+              <a:ext cx="360" cy="360"/>
+            </p14:xfrm>
+          </p:contentPart>
+        </mc:Choice>
+        <mc:Fallback>
+          <p:pic>
+            <p:nvPicPr>
+              <p:cNvPr id="7" name="Ink 6">
+                <a:extLst>
+                  <a:ext uri="{FF2B5EF4-FFF2-40B4-BE49-F238E27FC236}">
+                    <a16:creationId xmlns:a16="http://schemas.microsoft.com/office/drawing/2014/main" id="{B51952B1-9075-4D32-8392-A0806EDF109F}"/>
+                  </a:ext>
+                </a:extLst>
+              </p:cNvPr>
+              <p:cNvPicPr/>
+              <p:nvPr/>
+            </p:nvPicPr>
+            <p:blipFill>
+              <a:blip r:embed="rId5"/>
+              <a:stretch>
+                <a:fillRect/>
+              </a:stretch>
+            </p:blipFill>
+            <p:spPr>
+              <a:xfrm>
+                <a:off x="3132779" y="2302289"/>
+                <a:ext cx="126000" cy="126000"/>
+              </a:xfrm>
+              <a:prstGeom prst="rect">
+                <a:avLst/>
+              </a:prstGeom>
+            </p:spPr>
+          </p:pic>
+        </mc:Fallback>
+      </mc:AlternateContent>
+      <mc:AlternateContent xmlns:mc="http://schemas.openxmlformats.org/markup-compatibility/2006">
+        <mc:Choice xmlns:p14="http://schemas.microsoft.com/office/powerpoint/2010/main" Requires="p14">
+          <p:contentPart p14:bwMode="auto" r:id="rId6">
+            <p14:nvContentPartPr>
+              <p14:cNvPr id="8" name="Ink 7">
+                <a:extLst>
+                  <a:ext uri="{FF2B5EF4-FFF2-40B4-BE49-F238E27FC236}">
+                    <a16:creationId xmlns:a16="http://schemas.microsoft.com/office/drawing/2014/main" id="{63CD8C1A-14E3-4EE5-B84D-DD3013281345}"/>
+                  </a:ext>
+                </a:extLst>
+              </p14:cNvPr>
+              <p14:cNvContentPartPr/>
+              <p14:nvPr/>
+            </p14:nvContentPartPr>
+            <p14:xfrm>
+              <a:off x="3263099" y="2365289"/>
+              <a:ext cx="360" cy="360"/>
+            </p14:xfrm>
+          </p:contentPart>
+        </mc:Choice>
+        <mc:Fallback>
+          <p:pic>
+            <p:nvPicPr>
+              <p:cNvPr id="8" name="Ink 7">
+                <a:extLst>
+                  <a:ext uri="{FF2B5EF4-FFF2-40B4-BE49-F238E27FC236}">
+                    <a16:creationId xmlns:a16="http://schemas.microsoft.com/office/drawing/2014/main" id="{63CD8C1A-14E3-4EE5-B84D-DD3013281345}"/>
+                  </a:ext>
+                </a:extLst>
+              </p:cNvPr>
+              <p:cNvPicPr/>
+              <p:nvPr/>
+            </p:nvPicPr>
+            <p:blipFill>
+              <a:blip r:embed="rId7"/>
+              <a:stretch>
+                <a:fillRect/>
+              </a:stretch>
+            </p:blipFill>
+            <p:spPr>
+              <a:xfrm>
+                <a:off x="3200099" y="2302289"/>
+                <a:ext cx="126000" cy="126000"/>
+              </a:xfrm>
+              <a:prstGeom prst="rect">
+                <a:avLst/>
+              </a:prstGeom>
+            </p:spPr>
+          </p:pic>
+        </mc:Fallback>
+      </mc:AlternateContent>
+      <mc:AlternateContent xmlns:mc="http://schemas.openxmlformats.org/markup-compatibility/2006">
+        <mc:Choice xmlns:p14="http://schemas.microsoft.com/office/powerpoint/2010/main" Requires="p14">
+          <p:contentPart p14:bwMode="auto" r:id="rId8">
+            <p14:nvContentPartPr>
+              <p14:cNvPr id="9" name="Ink 8">
+                <a:extLst>
+                  <a:ext uri="{FF2B5EF4-FFF2-40B4-BE49-F238E27FC236}">
+                    <a16:creationId xmlns:a16="http://schemas.microsoft.com/office/drawing/2014/main" id="{B402566F-A891-48AA-B724-D9D4A5DD5C61}"/>
+                  </a:ext>
+                </a:extLst>
+              </p14:cNvPr>
+              <p14:cNvContentPartPr/>
+              <p14:nvPr/>
+            </p14:nvContentPartPr>
+            <p14:xfrm>
+              <a:off x="3464339" y="2315249"/>
+              <a:ext cx="28080" cy="8640"/>
+            </p14:xfrm>
+          </p:contentPart>
+        </mc:Choice>
+        <mc:Fallback>
+          <p:pic>
+            <p:nvPicPr>
+              <p:cNvPr id="9" name="Ink 8">
+                <a:extLst>
+                  <a:ext uri="{FF2B5EF4-FFF2-40B4-BE49-F238E27FC236}">
+                    <a16:creationId xmlns:a16="http://schemas.microsoft.com/office/drawing/2014/main" id="{B402566F-A891-48AA-B724-D9D4A5DD5C61}"/>
+                  </a:ext>
+                </a:extLst>
+              </p:cNvPr>
+              <p:cNvPicPr/>
+              <p:nvPr/>
+            </p:nvPicPr>
+            <p:blipFill>
+              <a:blip r:embed="rId9"/>
+              <a:stretch>
+                <a:fillRect/>
+              </a:stretch>
+            </p:blipFill>
+            <p:spPr>
+              <a:xfrm>
+                <a:off x="3401339" y="2252249"/>
+                <a:ext cx="153720" cy="134280"/>
+              </a:xfrm>
+              <a:prstGeom prst="rect">
+                <a:avLst/>
+              </a:prstGeom>
+            </p:spPr>
+          </p:pic>
+        </mc:Fallback>
+      </mc:AlternateContent>
+      <mc:AlternateContent xmlns:mc="http://schemas.openxmlformats.org/markup-compatibility/2006">
+        <mc:Choice xmlns:p14="http://schemas.microsoft.com/office/powerpoint/2010/main" Requires="p14">
+          <p:contentPart p14:bwMode="auto" r:id="rId10">
+            <p14:nvContentPartPr>
+              <p14:cNvPr id="10" name="Ink 9">
+                <a:extLst>
+                  <a:ext uri="{FF2B5EF4-FFF2-40B4-BE49-F238E27FC236}">
+                    <a16:creationId xmlns:a16="http://schemas.microsoft.com/office/drawing/2014/main" id="{36B8049E-E3D5-42A3-AD0C-D8119325BBBE}"/>
+                  </a:ext>
+                </a:extLst>
+              </p14:cNvPr>
+              <p14:cNvContentPartPr/>
+              <p14:nvPr/>
+            </p14:nvContentPartPr>
+            <p14:xfrm>
+              <a:off x="3589979" y="2306609"/>
+              <a:ext cx="360" cy="360"/>
+            </p14:xfrm>
+          </p:contentPart>
+        </mc:Choice>
+        <mc:Fallback>
+          <p:pic>
+            <p:nvPicPr>
+              <p:cNvPr id="10" name="Ink 9">
+                <a:extLst>
+                  <a:ext uri="{FF2B5EF4-FFF2-40B4-BE49-F238E27FC236}">
+                    <a16:creationId xmlns:a16="http://schemas.microsoft.com/office/drawing/2014/main" id="{36B8049E-E3D5-42A3-AD0C-D8119325BBBE}"/>
+                  </a:ext>
+                </a:extLst>
+              </p:cNvPr>
+              <p:cNvPicPr/>
+              <p:nvPr/>
+            </p:nvPicPr>
+            <p:blipFill>
+              <a:blip r:embed="rId7"/>
+              <a:stretch>
+                <a:fillRect/>
+              </a:stretch>
+            </p:blipFill>
+            <p:spPr>
+              <a:xfrm>
+                <a:off x="3527339" y="2243609"/>
+                <a:ext cx="126000" cy="126000"/>
+              </a:xfrm>
+              <a:prstGeom prst="rect">
+                <a:avLst/>
+              </a:prstGeom>
+            </p:spPr>
+          </p:pic>
+        </mc:Fallback>
+      </mc:AlternateContent>
+      <mc:AlternateContent xmlns:mc="http://schemas.openxmlformats.org/markup-compatibility/2006">
+        <mc:Choice xmlns:p14="http://schemas.microsoft.com/office/powerpoint/2010/main" Requires="p14">
+          <p:contentPart p14:bwMode="auto" r:id="rId11">
+            <p14:nvContentPartPr>
+              <p14:cNvPr id="13" name="Ink 12">
+                <a:extLst>
+                  <a:ext uri="{FF2B5EF4-FFF2-40B4-BE49-F238E27FC236}">
+                    <a16:creationId xmlns:a16="http://schemas.microsoft.com/office/drawing/2014/main" id="{E614AD38-4178-46D5-961B-2F2C72884ADF}"/>
+                  </a:ext>
+                </a:extLst>
+              </p14:cNvPr>
+              <p14:cNvContentPartPr/>
+              <p14:nvPr/>
+            </p14:nvContentPartPr>
+            <p14:xfrm>
+              <a:off x="3715979" y="2357009"/>
+              <a:ext cx="360" cy="360"/>
+            </p14:xfrm>
+          </p:contentPart>
+        </mc:Choice>
+        <mc:Fallback>
+          <p:pic>
+            <p:nvPicPr>
+              <p:cNvPr id="13" name="Ink 12">
+                <a:extLst>
+                  <a:ext uri="{FF2B5EF4-FFF2-40B4-BE49-F238E27FC236}">
+                    <a16:creationId xmlns:a16="http://schemas.microsoft.com/office/drawing/2014/main" id="{E614AD38-4178-46D5-961B-2F2C72884ADF}"/>
+                  </a:ext>
+                </a:extLst>
+              </p:cNvPr>
+              <p:cNvPicPr/>
+              <p:nvPr/>
+            </p:nvPicPr>
+            <p:blipFill>
+              <a:blip r:embed="rId7"/>
+              <a:stretch>
+                <a:fillRect/>
+              </a:stretch>
+            </p:blipFill>
+            <p:spPr>
+              <a:xfrm>
+                <a:off x="3653339" y="2294009"/>
+                <a:ext cx="126000" cy="126000"/>
+              </a:xfrm>
+              <a:prstGeom prst="rect">
+                <a:avLst/>
+              </a:prstGeom>
+            </p:spPr>
+          </p:pic>
+        </mc:Fallback>
+      </mc:AlternateContent>
+      <mc:AlternateContent xmlns:mc="http://schemas.openxmlformats.org/markup-compatibility/2006">
+        <mc:Choice xmlns:p14="http://schemas.microsoft.com/office/powerpoint/2010/main" Requires="p14">
+          <p:contentPart p14:bwMode="auto" r:id="rId12">
+            <p14:nvContentPartPr>
+              <p14:cNvPr id="14" name="Ink 13">
+                <a:extLst>
+                  <a:ext uri="{FF2B5EF4-FFF2-40B4-BE49-F238E27FC236}">
+                    <a16:creationId xmlns:a16="http://schemas.microsoft.com/office/drawing/2014/main" id="{B364A329-C3DA-4196-B47E-60CDBE044855}"/>
+                  </a:ext>
+                </a:extLst>
+              </p14:cNvPr>
+              <p14:cNvContentPartPr/>
+              <p14:nvPr/>
+            </p14:nvContentPartPr>
+            <p14:xfrm>
+              <a:off x="3665579" y="2298329"/>
+              <a:ext cx="39960" cy="360"/>
+            </p14:xfrm>
+          </p:contentPart>
+        </mc:Choice>
+        <mc:Fallback>
+          <p:pic>
+            <p:nvPicPr>
+              <p:cNvPr id="14" name="Ink 13">
+                <a:extLst>
+                  <a:ext uri="{FF2B5EF4-FFF2-40B4-BE49-F238E27FC236}">
+                    <a16:creationId xmlns:a16="http://schemas.microsoft.com/office/drawing/2014/main" id="{B364A329-C3DA-4196-B47E-60CDBE044855}"/>
+                  </a:ext>
+                </a:extLst>
+              </p:cNvPr>
+              <p:cNvPicPr/>
+              <p:nvPr/>
+            </p:nvPicPr>
+            <p:blipFill>
+              <a:blip r:embed="rId13"/>
+              <a:stretch>
+                <a:fillRect/>
+              </a:stretch>
+            </p:blipFill>
+            <p:spPr>
+              <a:xfrm>
+                <a:off x="3602939" y="2235329"/>
+                <a:ext cx="165600" cy="126000"/>
+              </a:xfrm>
+              <a:prstGeom prst="rect">
+                <a:avLst/>
+              </a:prstGeom>
+            </p:spPr>
+          </p:pic>
+        </mc:Fallback>
+      </mc:AlternateContent>
+      <mc:AlternateContent xmlns:mc="http://schemas.openxmlformats.org/markup-compatibility/2006">
+        <mc:Choice xmlns:p14="http://schemas.microsoft.com/office/powerpoint/2010/main" Requires="p14">
+          <p:contentPart p14:bwMode="auto" r:id="rId14">
+            <p14:nvContentPartPr>
+              <p14:cNvPr id="17" name="Ink 16">
+                <a:extLst>
+                  <a:ext uri="{FF2B5EF4-FFF2-40B4-BE49-F238E27FC236}">
+                    <a16:creationId xmlns:a16="http://schemas.microsoft.com/office/drawing/2014/main" id="{14158E50-1E1F-4E67-A76F-97537BD6DDC1}"/>
+                  </a:ext>
+                </a:extLst>
+              </p14:cNvPr>
+              <p14:cNvContentPartPr/>
+              <p14:nvPr/>
+            </p14:nvContentPartPr>
+            <p14:xfrm>
+              <a:off x="4403579" y="2382209"/>
+              <a:ext cx="360" cy="360"/>
+            </p14:xfrm>
+          </p:contentPart>
+        </mc:Choice>
+        <mc:Fallback>
+          <p:pic>
+            <p:nvPicPr>
+              <p:cNvPr id="17" name="Ink 16">
+                <a:extLst>
+                  <a:ext uri="{FF2B5EF4-FFF2-40B4-BE49-F238E27FC236}">
+                    <a16:creationId xmlns:a16="http://schemas.microsoft.com/office/drawing/2014/main" id="{14158E50-1E1F-4E67-A76F-97537BD6DDC1}"/>
+                  </a:ext>
+                </a:extLst>
+              </p:cNvPr>
+              <p:cNvPicPr/>
+              <p:nvPr/>
+            </p:nvPicPr>
+            <p:blipFill>
+              <a:blip r:embed="rId5"/>
+              <a:stretch>
+                <a:fillRect/>
+              </a:stretch>
+            </p:blipFill>
+            <p:spPr>
+              <a:xfrm>
+                <a:off x="4340939" y="2319209"/>
+                <a:ext cx="126000" cy="126000"/>
+              </a:xfrm>
+              <a:prstGeom prst="rect">
+                <a:avLst/>
+              </a:prstGeom>
+            </p:spPr>
+          </p:pic>
+        </mc:Fallback>
+      </mc:AlternateContent>
+      <p:pic>
+        <p:nvPicPr>
+          <p:cNvPr id="18" name="Picture 17">
+            <a:extLst>
+              <a:ext uri="{FF2B5EF4-FFF2-40B4-BE49-F238E27FC236}">
+                <a16:creationId xmlns:a16="http://schemas.microsoft.com/office/drawing/2014/main" id="{88D4459B-115F-4693-AE6E-56C75A269F37}"/>
+              </a:ext>
+            </a:extLst>
+          </p:cNvPr>
+          <p:cNvPicPr>
+            <a:picLocks noChangeAspect="1"/>
+          </p:cNvPicPr>
+          <p:nvPr/>
+        </p:nvPicPr>
+        <p:blipFill>
+          <a:blip r:embed="rId15"/>
+          <a:stretch>
+            <a:fillRect/>
+          </a:stretch>
+        </p:blipFill>
+        <p:spPr>
+          <a:xfrm>
+            <a:off x="504001" y="3501021"/>
+            <a:ext cx="7496175" cy="2209800"/>
+          </a:xfrm>
+          <a:prstGeom prst="rect">
+            <a:avLst/>
+          </a:prstGeom>
+        </p:spPr>
+      </p:pic>
+      <mc:AlternateContent xmlns:mc="http://schemas.openxmlformats.org/markup-compatibility/2006">
+        <mc:Choice xmlns:p14="http://schemas.microsoft.com/office/powerpoint/2010/main" Requires="p14">
+          <p:contentPart p14:bwMode="auto" r:id="rId16">
+            <p14:nvContentPartPr>
+              <p14:cNvPr id="19" name="Ink 18">
+                <a:extLst>
+                  <a:ext uri="{FF2B5EF4-FFF2-40B4-BE49-F238E27FC236}">
+                    <a16:creationId xmlns:a16="http://schemas.microsoft.com/office/drawing/2014/main" id="{3D99D4EB-2CE5-4E7D-B7B5-858701A0B7BE}"/>
+                  </a:ext>
+                </a:extLst>
+              </p14:cNvPr>
+              <p14:cNvContentPartPr/>
+              <p14:nvPr/>
+            </p14:nvContentPartPr>
+            <p14:xfrm>
+              <a:off x="5987219" y="3480929"/>
+              <a:ext cx="136800" cy="73440"/>
+            </p14:xfrm>
+          </p:contentPart>
+        </mc:Choice>
+        <mc:Fallback>
+          <p:pic>
+            <p:nvPicPr>
+              <p:cNvPr id="19" name="Ink 18">
+                <a:extLst>
+                  <a:ext uri="{FF2B5EF4-FFF2-40B4-BE49-F238E27FC236}">
+                    <a16:creationId xmlns:a16="http://schemas.microsoft.com/office/drawing/2014/main" id="{3D99D4EB-2CE5-4E7D-B7B5-858701A0B7BE}"/>
+                  </a:ext>
+                </a:extLst>
+              </p:cNvPr>
+              <p:cNvPicPr/>
+              <p:nvPr/>
+            </p:nvPicPr>
+            <p:blipFill>
+              <a:blip r:embed="rId17"/>
+              <a:stretch>
+                <a:fillRect/>
+              </a:stretch>
+            </p:blipFill>
+            <p:spPr>
+              <a:xfrm>
+                <a:off x="5924219" y="3418289"/>
+                <a:ext cx="262440" cy="199080"/>
+              </a:xfrm>
+              <a:prstGeom prst="rect">
+                <a:avLst/>
+              </a:prstGeom>
+            </p:spPr>
+          </p:pic>
+        </mc:Fallback>
+      </mc:AlternateContent>
+      <mc:AlternateContent xmlns:mc="http://schemas.openxmlformats.org/markup-compatibility/2006">
+        <mc:Choice xmlns:p14="http://schemas.microsoft.com/office/powerpoint/2010/main" Requires="p14">
+          <p:contentPart p14:bwMode="auto" r:id="rId18">
+            <p14:nvContentPartPr>
+              <p14:cNvPr id="22" name="Ink 21">
+                <a:extLst>
+                  <a:ext uri="{FF2B5EF4-FFF2-40B4-BE49-F238E27FC236}">
+                    <a16:creationId xmlns:a16="http://schemas.microsoft.com/office/drawing/2014/main" id="{E44AD0A2-28D5-47EC-A470-5E6951020F1A}"/>
+                  </a:ext>
+                </a:extLst>
+              </p14:cNvPr>
+              <p14:cNvContentPartPr/>
+              <p14:nvPr/>
+            </p14:nvContentPartPr>
+            <p14:xfrm>
+              <a:off x="6580499" y="3497129"/>
+              <a:ext cx="465840" cy="43560"/>
+            </p14:xfrm>
+          </p:contentPart>
+        </mc:Choice>
+        <mc:Fallback>
+          <p:pic>
+            <p:nvPicPr>
+              <p:cNvPr id="22" name="Ink 21">
+                <a:extLst>
+                  <a:ext uri="{FF2B5EF4-FFF2-40B4-BE49-F238E27FC236}">
+                    <a16:creationId xmlns:a16="http://schemas.microsoft.com/office/drawing/2014/main" id="{E44AD0A2-28D5-47EC-A470-5E6951020F1A}"/>
+                  </a:ext>
+                </a:extLst>
+              </p:cNvPr>
+              <p:cNvPicPr/>
+              <p:nvPr/>
+            </p:nvPicPr>
+            <p:blipFill>
+              <a:blip r:embed="rId19"/>
+              <a:stretch>
+                <a:fillRect/>
+              </a:stretch>
+            </p:blipFill>
+            <p:spPr>
+              <a:xfrm>
+                <a:off x="6517499" y="3434489"/>
+                <a:ext cx="591480" cy="169200"/>
+              </a:xfrm>
+              <a:prstGeom prst="rect">
+                <a:avLst/>
+              </a:prstGeom>
+            </p:spPr>
+          </p:pic>
+        </mc:Fallback>
+      </mc:AlternateContent>
+      <mc:AlternateContent xmlns:mc="http://schemas.openxmlformats.org/markup-compatibility/2006">
+        <mc:Choice xmlns:p14="http://schemas.microsoft.com/office/powerpoint/2010/main" Requires="p14">
+          <p:contentPart p14:bwMode="auto" r:id="rId20">
+            <p14:nvContentPartPr>
+              <p14:cNvPr id="23" name="Ink 22">
+                <a:extLst>
+                  <a:ext uri="{FF2B5EF4-FFF2-40B4-BE49-F238E27FC236}">
+                    <a16:creationId xmlns:a16="http://schemas.microsoft.com/office/drawing/2014/main" id="{56CC4EC3-271C-44A1-9A39-4E7F27555BE0}"/>
+                  </a:ext>
+                </a:extLst>
+              </p14:cNvPr>
+              <p14:cNvContentPartPr/>
+              <p14:nvPr/>
+            </p14:nvContentPartPr>
+            <p14:xfrm>
+              <a:off x="6928979" y="4387049"/>
+              <a:ext cx="360" cy="360"/>
+            </p14:xfrm>
+          </p:contentPart>
+        </mc:Choice>
+        <mc:Fallback>
+          <p:pic>
+            <p:nvPicPr>
+              <p:cNvPr id="23" name="Ink 22">
+                <a:extLst>
+                  <a:ext uri="{FF2B5EF4-FFF2-40B4-BE49-F238E27FC236}">
+                    <a16:creationId xmlns:a16="http://schemas.microsoft.com/office/drawing/2014/main" id="{56CC4EC3-271C-44A1-9A39-4E7F27555BE0}"/>
+                  </a:ext>
+                </a:extLst>
+              </p:cNvPr>
+              <p:cNvPicPr/>
+              <p:nvPr/>
+            </p:nvPicPr>
+            <p:blipFill>
+              <a:blip r:embed="rId7"/>
+              <a:stretch>
+                <a:fillRect/>
+              </a:stretch>
+            </p:blipFill>
+            <p:spPr>
+              <a:xfrm>
+                <a:off x="6865979" y="4324409"/>
+                <a:ext cx="126000" cy="126000"/>
+              </a:xfrm>
+              <a:prstGeom prst="rect">
+                <a:avLst/>
+              </a:prstGeom>
+            </p:spPr>
+          </p:pic>
+        </mc:Fallback>
+      </mc:AlternateContent>
+    </p:spTree>
+    <p:extLst>
+      <p:ext uri="{BB962C8B-B14F-4D97-AF65-F5344CB8AC3E}">
+        <p14:creationId xmlns:p14="http://schemas.microsoft.com/office/powerpoint/2010/main" val="3290447990"/>
+      </p:ext>
+    </p:extLst>
+  </p:cSld>
+  <p:clrMapOvr>
+    <a:masterClrMapping/>
+  </p:clrMapOvr>
+</p:sld>
+</file>
+
+<file path=ppt/slides/slide13.xml><?xml version="1.0" encoding="utf-8"?>
 <p:sld xmlns:a="http://schemas.openxmlformats.org/drawingml/2006/main" xmlns:r="http://schemas.openxmlformats.org/officeDocument/2006/relationships" xmlns:p="http://schemas.openxmlformats.org/presentationml/2006/main">
   <p:cSld>
     <p:spTree>
@@ -10847,7 +11962,7 @@
 </p:sld>
 </file>
 
-<file path=ppt/slides/slide13.xml><?xml version="1.0" encoding="utf-8"?>
+<file path=ppt/slides/slide14.xml><?xml version="1.0" encoding="utf-8"?>
 <p:sld xmlns:a="http://schemas.openxmlformats.org/drawingml/2006/main" xmlns:r="http://schemas.openxmlformats.org/officeDocument/2006/relationships" xmlns:p="http://schemas.openxmlformats.org/presentationml/2006/main">
   <p:cSld>
     <p:spTree>
@@ -10963,7 +12078,7 @@
 </p:sld>
 </file>
 
-<file path=ppt/slides/slide14.xml><?xml version="1.0" encoding="utf-8"?>
+<file path=ppt/slides/slide15.xml><?xml version="1.0" encoding="utf-8"?>
 <p:sld xmlns:a="http://schemas.openxmlformats.org/drawingml/2006/main" xmlns:r="http://schemas.openxmlformats.org/officeDocument/2006/relationships" xmlns:p="http://schemas.openxmlformats.org/presentationml/2006/main">
   <p:cSld>
     <p:spTree>
@@ -11051,7 +12166,7 @@
 </p:sld>
 </file>
 
-<file path=ppt/slides/slide15.xml><?xml version="1.0" encoding="utf-8"?>
+<file path=ppt/slides/slide16.xml><?xml version="1.0" encoding="utf-8"?>
 <p:sld xmlns:a="http://schemas.openxmlformats.org/drawingml/2006/main" xmlns:r="http://schemas.openxmlformats.org/officeDocument/2006/relationships" xmlns:p="http://schemas.openxmlformats.org/presentationml/2006/main">
   <p:cSld>
     <p:spTree>
@@ -11169,7 +12284,7 @@
 </p:sld>
 </file>
 
-<file path=ppt/slides/slide16.xml><?xml version="1.0" encoding="utf-8"?>
+<file path=ppt/slides/slide17.xml><?xml version="1.0" encoding="utf-8"?>
 <p:sld xmlns:a="http://schemas.openxmlformats.org/drawingml/2006/main" xmlns:r="http://schemas.openxmlformats.org/officeDocument/2006/relationships" xmlns:p="http://schemas.openxmlformats.org/presentationml/2006/main">
   <p:cSld>
     <p:spTree>
@@ -11254,7 +12369,7 @@
 </p:sld>
 </file>
 
-<file path=ppt/slides/slide17.xml><?xml version="1.0" encoding="utf-8"?>
+<file path=ppt/slides/slide18.xml><?xml version="1.0" encoding="utf-8"?>
 <p:sld xmlns:a="http://schemas.openxmlformats.org/drawingml/2006/main" xmlns:r="http://schemas.openxmlformats.org/officeDocument/2006/relationships" xmlns:p="http://schemas.openxmlformats.org/presentationml/2006/main">
   <p:cSld>
     <p:spTree>
@@ -11372,7 +12487,7 @@
 </p:sld>
 </file>
 
-<file path=ppt/slides/slide18.xml><?xml version="1.0" encoding="utf-8"?>
+<file path=ppt/slides/slide19.xml><?xml version="1.0" encoding="utf-8"?>
 <p:sld xmlns:a="http://schemas.openxmlformats.org/drawingml/2006/main" xmlns:r="http://schemas.openxmlformats.org/officeDocument/2006/relationships" xmlns:p="http://schemas.openxmlformats.org/presentationml/2006/main">
   <p:cSld>
     <p:spTree>
@@ -11451,121 +12566,6 @@
     <p:extLst>
       <p:ext uri="{BB962C8B-B14F-4D97-AF65-F5344CB8AC3E}">
         <p14:creationId xmlns:p14="http://schemas.microsoft.com/office/powerpoint/2010/main" val="1586985380"/>
-      </p:ext>
-    </p:extLst>
-  </p:cSld>
-  <p:clrMapOvr>
-    <a:masterClrMapping/>
-  </p:clrMapOvr>
-</p:sld>
-</file>
-
-<file path=ppt/slides/slide19.xml><?xml version="1.0" encoding="utf-8"?>
-<p:sld xmlns:a="http://schemas.openxmlformats.org/drawingml/2006/main" xmlns:r="http://schemas.openxmlformats.org/officeDocument/2006/relationships" xmlns:p="http://schemas.openxmlformats.org/presentationml/2006/main">
-  <p:cSld>
-    <p:spTree>
-      <p:nvGrpSpPr>
-        <p:cNvPr id="1" name=""/>
-        <p:cNvGrpSpPr/>
-        <p:nvPr/>
-      </p:nvGrpSpPr>
-      <p:grpSpPr>
-        <a:xfrm>
-          <a:off x="0" y="0"/>
-          <a:ext cx="0" cy="0"/>
-          <a:chOff x="0" y="0"/>
-          <a:chExt cx="0" cy="0"/>
-        </a:xfrm>
-      </p:grpSpPr>
-      <p:sp>
-        <p:nvSpPr>
-          <p:cNvPr id="2" name="Title 1">
-            <a:extLst>
-              <a:ext uri="{FF2B5EF4-FFF2-40B4-BE49-F238E27FC236}">
-                <a16:creationId xmlns:a16="http://schemas.microsoft.com/office/drawing/2014/main" id="{9D09CFA9-AECF-4970-8021-EF45BE2141A0}"/>
-              </a:ext>
-            </a:extLst>
-          </p:cNvPr>
-          <p:cNvSpPr>
-            <a:spLocks noGrp="1"/>
-          </p:cNvSpPr>
-          <p:nvPr>
-            <p:ph type="title"/>
-          </p:nvPr>
-        </p:nvSpPr>
-        <p:spPr/>
-        <p:txBody>
-          <a:bodyPr/>
-          <a:lstStyle/>
-          <a:p>
-            <a:endParaRPr lang="en-US"/>
-          </a:p>
-        </p:txBody>
-      </p:sp>
-      <p:pic>
-        <p:nvPicPr>
-          <p:cNvPr id="3" name="Picture 2">
-            <a:extLst>
-              <a:ext uri="{FF2B5EF4-FFF2-40B4-BE49-F238E27FC236}">
-                <a16:creationId xmlns:a16="http://schemas.microsoft.com/office/drawing/2014/main" id="{B83EBFF3-30B3-4D02-9537-BE8BE37D2095}"/>
-              </a:ext>
-            </a:extLst>
-          </p:cNvPr>
-          <p:cNvPicPr>
-            <a:picLocks noChangeAspect="1"/>
-          </p:cNvPicPr>
-          <p:nvPr/>
-        </p:nvPicPr>
-        <p:blipFill>
-          <a:blip r:embed="rId2"/>
-          <a:stretch>
-            <a:fillRect/>
-          </a:stretch>
-        </p:blipFill>
-        <p:spPr>
-          <a:xfrm>
-            <a:off x="504001" y="1437097"/>
-            <a:ext cx="5258624" cy="3983806"/>
-          </a:xfrm>
-          <a:prstGeom prst="rect">
-            <a:avLst/>
-          </a:prstGeom>
-        </p:spPr>
-      </p:pic>
-      <p:pic>
-        <p:nvPicPr>
-          <p:cNvPr id="4" name="Picture 3">
-            <a:extLst>
-              <a:ext uri="{FF2B5EF4-FFF2-40B4-BE49-F238E27FC236}">
-                <a16:creationId xmlns:a16="http://schemas.microsoft.com/office/drawing/2014/main" id="{5C0BD520-2249-4A27-AD7D-BEBE08DE8F7E}"/>
-              </a:ext>
-            </a:extLst>
-          </p:cNvPr>
-          <p:cNvPicPr>
-            <a:picLocks noChangeAspect="1"/>
-          </p:cNvPicPr>
-          <p:nvPr/>
-        </p:nvPicPr>
-        <p:blipFill>
-          <a:blip r:embed="rId3"/>
-          <a:stretch>
-            <a:fillRect/>
-          </a:stretch>
-        </p:blipFill>
-        <p:spPr>
-          <a:xfrm>
-            <a:off x="6097237" y="1382474"/>
-            <a:ext cx="5258623" cy="4093052"/>
-          </a:xfrm>
-          <a:prstGeom prst="rect">
-            <a:avLst/>
-          </a:prstGeom>
-        </p:spPr>
-      </p:pic>
-    </p:spTree>
-    <p:extLst>
-      <p:ext uri="{BB962C8B-B14F-4D97-AF65-F5344CB8AC3E}">
-        <p14:creationId xmlns:p14="http://schemas.microsoft.com/office/powerpoint/2010/main" val="4068986985"/>
       </p:ext>
     </p:extLst>
   </p:cSld>
@@ -11863,6 +12863,121 @@
           <p:cNvPr id="2" name="Title 1">
             <a:extLst>
               <a:ext uri="{FF2B5EF4-FFF2-40B4-BE49-F238E27FC236}">
+                <a16:creationId xmlns:a16="http://schemas.microsoft.com/office/drawing/2014/main" id="{9D09CFA9-AECF-4970-8021-EF45BE2141A0}"/>
+              </a:ext>
+            </a:extLst>
+          </p:cNvPr>
+          <p:cNvSpPr>
+            <a:spLocks noGrp="1"/>
+          </p:cNvSpPr>
+          <p:nvPr>
+            <p:ph type="title"/>
+          </p:nvPr>
+        </p:nvSpPr>
+        <p:spPr/>
+        <p:txBody>
+          <a:bodyPr/>
+          <a:lstStyle/>
+          <a:p>
+            <a:endParaRPr lang="en-US"/>
+          </a:p>
+        </p:txBody>
+      </p:sp>
+      <p:pic>
+        <p:nvPicPr>
+          <p:cNvPr id="3" name="Picture 2">
+            <a:extLst>
+              <a:ext uri="{FF2B5EF4-FFF2-40B4-BE49-F238E27FC236}">
+                <a16:creationId xmlns:a16="http://schemas.microsoft.com/office/drawing/2014/main" id="{B83EBFF3-30B3-4D02-9537-BE8BE37D2095}"/>
+              </a:ext>
+            </a:extLst>
+          </p:cNvPr>
+          <p:cNvPicPr>
+            <a:picLocks noChangeAspect="1"/>
+          </p:cNvPicPr>
+          <p:nvPr/>
+        </p:nvPicPr>
+        <p:blipFill>
+          <a:blip r:embed="rId2"/>
+          <a:stretch>
+            <a:fillRect/>
+          </a:stretch>
+        </p:blipFill>
+        <p:spPr>
+          <a:xfrm>
+            <a:off x="504001" y="1437097"/>
+            <a:ext cx="5258624" cy="3983806"/>
+          </a:xfrm>
+          <a:prstGeom prst="rect">
+            <a:avLst/>
+          </a:prstGeom>
+        </p:spPr>
+      </p:pic>
+      <p:pic>
+        <p:nvPicPr>
+          <p:cNvPr id="4" name="Picture 3">
+            <a:extLst>
+              <a:ext uri="{FF2B5EF4-FFF2-40B4-BE49-F238E27FC236}">
+                <a16:creationId xmlns:a16="http://schemas.microsoft.com/office/drawing/2014/main" id="{5C0BD520-2249-4A27-AD7D-BEBE08DE8F7E}"/>
+              </a:ext>
+            </a:extLst>
+          </p:cNvPr>
+          <p:cNvPicPr>
+            <a:picLocks noChangeAspect="1"/>
+          </p:cNvPicPr>
+          <p:nvPr/>
+        </p:nvPicPr>
+        <p:blipFill>
+          <a:blip r:embed="rId3"/>
+          <a:stretch>
+            <a:fillRect/>
+          </a:stretch>
+        </p:blipFill>
+        <p:spPr>
+          <a:xfrm>
+            <a:off x="6097237" y="1382474"/>
+            <a:ext cx="5258623" cy="4093052"/>
+          </a:xfrm>
+          <a:prstGeom prst="rect">
+            <a:avLst/>
+          </a:prstGeom>
+        </p:spPr>
+      </p:pic>
+    </p:spTree>
+    <p:extLst>
+      <p:ext uri="{BB962C8B-B14F-4D97-AF65-F5344CB8AC3E}">
+        <p14:creationId xmlns:p14="http://schemas.microsoft.com/office/powerpoint/2010/main" val="4068986985"/>
+      </p:ext>
+    </p:extLst>
+  </p:cSld>
+  <p:clrMapOvr>
+    <a:masterClrMapping/>
+  </p:clrMapOvr>
+</p:sld>
+</file>
+
+<file path=ppt/slides/slide21.xml><?xml version="1.0" encoding="utf-8"?>
+<p:sld xmlns:a="http://schemas.openxmlformats.org/drawingml/2006/main" xmlns:r="http://schemas.openxmlformats.org/officeDocument/2006/relationships" xmlns:p="http://schemas.openxmlformats.org/presentationml/2006/main">
+  <p:cSld>
+    <p:spTree>
+      <p:nvGrpSpPr>
+        <p:cNvPr id="1" name=""/>
+        <p:cNvGrpSpPr/>
+        <p:nvPr/>
+      </p:nvGrpSpPr>
+      <p:grpSpPr>
+        <a:xfrm>
+          <a:off x="0" y="0"/>
+          <a:ext cx="0" cy="0"/>
+          <a:chOff x="0" y="0"/>
+          <a:chExt cx="0" cy="0"/>
+        </a:xfrm>
+      </p:grpSpPr>
+      <p:sp>
+        <p:nvSpPr>
+          <p:cNvPr id="2" name="Title 1">
+            <a:extLst>
+              <a:ext uri="{FF2B5EF4-FFF2-40B4-BE49-F238E27FC236}">
                 <a16:creationId xmlns:a16="http://schemas.microsoft.com/office/drawing/2014/main" id="{0E4D686E-F99E-4529-A151-4AFC69F1588E}"/>
               </a:ext>
             </a:extLst>
@@ -11929,7 +13044,7 @@
 </p:sld>
 </file>
 
-<file path=ppt/slides/slide21.xml><?xml version="1.0" encoding="utf-8"?>
+<file path=ppt/slides/slide22.xml><?xml version="1.0" encoding="utf-8"?>
 <p:sld xmlns:a="http://schemas.openxmlformats.org/drawingml/2006/main" xmlns:r="http://schemas.openxmlformats.org/officeDocument/2006/relationships" xmlns:p="http://schemas.openxmlformats.org/presentationml/2006/main">
   <p:cSld>
     <p:spTree>
@@ -11981,7 +13096,7 @@
 </p:sld>
 </file>
 
-<file path=ppt/slides/slide22.xml><?xml version="1.0" encoding="utf-8"?>
+<file path=ppt/slides/slide23.xml><?xml version="1.0" encoding="utf-8"?>
 <p:sld xmlns:a="http://schemas.openxmlformats.org/drawingml/2006/main" xmlns:r="http://schemas.openxmlformats.org/officeDocument/2006/relationships" xmlns:p="http://schemas.openxmlformats.org/presentationml/2006/main" show="0">
   <p:cSld>
     <p:spTree>
@@ -12007,7 +13122,7 @@
 </p:sld>
 </file>
 
-<file path=ppt/slides/slide23.xml><?xml version="1.0" encoding="utf-8"?>
+<file path=ppt/slides/slide24.xml><?xml version="1.0" encoding="utf-8"?>
 <p:sld xmlns:a="http://schemas.openxmlformats.org/drawingml/2006/main" xmlns:r="http://schemas.openxmlformats.org/officeDocument/2006/relationships" xmlns:p="http://schemas.openxmlformats.org/presentationml/2006/main" show="0">
   <p:cSld>
     <p:spTree>
@@ -12539,8 +13654,8 @@
           </a:prstGeom>
         </p:spPr>
       </p:pic>
-      <mc:AlternateContent xmlns:mc="http://schemas.openxmlformats.org/markup-compatibility/2006">
-        <mc:Choice xmlns:p14="http://schemas.microsoft.com/office/powerpoint/2010/main" Requires="p14">
+      <mc:AlternateContent xmlns:mc="http://schemas.openxmlformats.org/markup-compatibility/2006" xmlns:p14="http://schemas.microsoft.com/office/powerpoint/2010/main">
+        <mc:Choice Requires="p14">
           <p:contentPart p14:bwMode="auto" r:id="rId3">
             <p14:nvContentPartPr>
               <p14:cNvPr id="4" name="Ink 3">
@@ -12559,7 +13674,7 @@
             </p14:xfrm>
           </p:contentPart>
         </mc:Choice>
-        <mc:Fallback>
+        <mc:Fallback xmlns="">
           <p:pic>
             <p:nvPicPr>
               <p:cNvPr id="4" name="Ink 3">
@@ -12590,8 +13705,8 @@
           </p:pic>
         </mc:Fallback>
       </mc:AlternateContent>
-      <mc:AlternateContent xmlns:mc="http://schemas.openxmlformats.org/markup-compatibility/2006">
-        <mc:Choice xmlns:p14="http://schemas.microsoft.com/office/powerpoint/2010/main" Requires="p14">
+      <mc:AlternateContent xmlns:mc="http://schemas.openxmlformats.org/markup-compatibility/2006" xmlns:p14="http://schemas.microsoft.com/office/powerpoint/2010/main">
+        <mc:Choice Requires="p14">
           <p:contentPart p14:bwMode="auto" r:id="rId5">
             <p14:nvContentPartPr>
               <p14:cNvPr id="6" name="Ink 5">
@@ -12610,7 +13725,7 @@
             </p14:xfrm>
           </p:contentPart>
         </mc:Choice>
-        <mc:Fallback>
+        <mc:Fallback xmlns="">
           <p:pic>
             <p:nvPicPr>
               <p:cNvPr id="6" name="Ink 5">
@@ -12729,8 +13844,8 @@
           </a:prstGeom>
         </p:spPr>
       </p:pic>
-      <mc:AlternateContent xmlns:mc="http://schemas.openxmlformats.org/markup-compatibility/2006">
-        <mc:Choice xmlns:p14="http://schemas.microsoft.com/office/powerpoint/2010/main" Requires="p14">
+      <mc:AlternateContent xmlns:mc="http://schemas.openxmlformats.org/markup-compatibility/2006" xmlns:p14="http://schemas.microsoft.com/office/powerpoint/2010/main">
+        <mc:Choice Requires="p14">
           <p:contentPart p14:bwMode="auto" r:id="rId3">
             <p14:nvContentPartPr>
               <p14:cNvPr id="6" name="Ink 5">
@@ -12749,7 +13864,7 @@
             </p14:xfrm>
           </p:contentPart>
         </mc:Choice>
-        <mc:Fallback>
+        <mc:Fallback xmlns="">
           <p:pic>
             <p:nvPicPr>
               <p:cNvPr id="6" name="Ink 5">
@@ -12868,8 +13983,8 @@
           </a:prstGeom>
         </p:spPr>
       </p:pic>
-      <mc:AlternateContent xmlns:mc="http://schemas.openxmlformats.org/markup-compatibility/2006">
-        <mc:Choice xmlns:p14="http://schemas.microsoft.com/office/powerpoint/2010/main" Requires="p14">
+      <mc:AlternateContent xmlns:mc="http://schemas.openxmlformats.org/markup-compatibility/2006" xmlns:p14="http://schemas.microsoft.com/office/powerpoint/2010/main">
+        <mc:Choice Requires="p14">
           <p:contentPart p14:bwMode="auto" r:id="rId3">
             <p14:nvContentPartPr>
               <p14:cNvPr id="4" name="Ink 3">
@@ -12888,7 +14003,7 @@
             </p14:xfrm>
           </p:contentPart>
         </mc:Choice>
-        <mc:Fallback>
+        <mc:Fallback xmlns="">
           <p:pic>
             <p:nvPicPr>
               <p:cNvPr id="4" name="Ink 3">

--- a/modules/4. ML Algorithms/Clustering/Clustering.pptx
+++ b/modules/4. ML Algorithms/Clustering/Clustering.pptx
@@ -6,10 +6,10 @@
     <p:sldMasterId id="2147483782" r:id="rId2"/>
   </p:sldMasterIdLst>
   <p:notesMasterIdLst>
-    <p:notesMasterId r:id="rId27"/>
+    <p:notesMasterId r:id="rId29"/>
   </p:notesMasterIdLst>
   <p:handoutMasterIdLst>
-    <p:handoutMasterId r:id="rId28"/>
+    <p:handoutMasterId r:id="rId30"/>
   </p:handoutMasterIdLst>
   <p:sldIdLst>
     <p:sldId id="402" r:id="rId3"/>
@@ -22,20 +22,22 @@
     <p:sldId id="458" r:id="rId10"/>
     <p:sldId id="459" r:id="rId11"/>
     <p:sldId id="460" r:id="rId12"/>
-    <p:sldId id="451" r:id="rId13"/>
-    <p:sldId id="469" r:id="rId14"/>
-    <p:sldId id="452" r:id="rId15"/>
-    <p:sldId id="461" r:id="rId16"/>
-    <p:sldId id="462" r:id="rId17"/>
-    <p:sldId id="463" r:id="rId18"/>
-    <p:sldId id="468" r:id="rId19"/>
-    <p:sldId id="464" r:id="rId20"/>
-    <p:sldId id="465" r:id="rId21"/>
-    <p:sldId id="466" r:id="rId22"/>
-    <p:sldId id="467" r:id="rId23"/>
-    <p:sldId id="413" r:id="rId24"/>
-    <p:sldId id="265" r:id="rId25"/>
-    <p:sldId id="435" r:id="rId26"/>
+    <p:sldId id="470" r:id="rId13"/>
+    <p:sldId id="451" r:id="rId14"/>
+    <p:sldId id="469" r:id="rId15"/>
+    <p:sldId id="452" r:id="rId16"/>
+    <p:sldId id="461" r:id="rId17"/>
+    <p:sldId id="462" r:id="rId18"/>
+    <p:sldId id="463" r:id="rId19"/>
+    <p:sldId id="468" r:id="rId20"/>
+    <p:sldId id="464" r:id="rId21"/>
+    <p:sldId id="465" r:id="rId22"/>
+    <p:sldId id="466" r:id="rId23"/>
+    <p:sldId id="467" r:id="rId24"/>
+    <p:sldId id="471" r:id="rId25"/>
+    <p:sldId id="413" r:id="rId26"/>
+    <p:sldId id="265" r:id="rId27"/>
+    <p:sldId id="435" r:id="rId28"/>
   </p:sldIdLst>
   <p:sldSz cx="12195175" cy="6858000"/>
   <p:notesSz cx="6858000" cy="9144000"/>
@@ -194,7 +196,7 @@
 <file path=ppt/revisionInfo.xml><?xml version="1.0" encoding="utf-8"?>
 <p1510:revInfo xmlns:a="http://schemas.openxmlformats.org/drawingml/2006/main" xmlns:r="http://schemas.openxmlformats.org/officeDocument/2006/relationships" xmlns:p1510="http://schemas.microsoft.com/office/powerpoint/2015/10/main">
   <p1510:revLst>
-    <p1510:client id="{4E89B47A-DB54-4C5E-A5E3-D670F090C987}" v="1420" dt="2019-05-20T04:02:30.048"/>
+    <p1510:client id="{4E89B47A-DB54-4C5E-A5E3-D670F090C987}" v="1434" dt="2019-05-20T04:18:50.173"/>
   </p1510:revLst>
 </p1510:revInfo>
 </file>
@@ -204,7 +206,7 @@
   <pc:docChgLst>
     <pc:chgData name="Joshi, Harshit" userId="30597ebd-45f8-44e9-a4af-78399cda5ac2" providerId="ADAL" clId="{4E89B47A-DB54-4C5E-A5E3-D670F090C987}"/>
     <pc:docChg chg="undo custSel addSld delSld modSld">
-      <pc:chgData name="Joshi, Harshit" userId="30597ebd-45f8-44e9-a4af-78399cda5ac2" providerId="ADAL" clId="{4E89B47A-DB54-4C5E-A5E3-D670F090C987}" dt="2019-05-20T04:02:30.048" v="1417"/>
+      <pc:chgData name="Joshi, Harshit" userId="30597ebd-45f8-44e9-a4af-78399cda5ac2" providerId="ADAL" clId="{4E89B47A-DB54-4C5E-A5E3-D670F090C987}" dt="2019-05-20T04:18:50.173" v="1431" actId="478"/>
       <pc:docMkLst>
         <pc:docMk/>
       </pc:docMkLst>
@@ -1338,6 +1340,60 @@
           </ac:inkMkLst>
         </pc:inkChg>
       </pc:sldChg>
+      <pc:sldChg chg="addSp delSp modSp add">
+        <pc:chgData name="Joshi, Harshit" userId="30597ebd-45f8-44e9-a4af-78399cda5ac2" providerId="ADAL" clId="{4E89B47A-DB54-4C5E-A5E3-D670F090C987}" dt="2019-05-20T04:16:59.913" v="1424" actId="14100"/>
+        <pc:sldMkLst>
+          <pc:docMk/>
+          <pc:sldMk cId="1377097674" sldId="470"/>
+        </pc:sldMkLst>
+        <pc:spChg chg="del">
+          <ac:chgData name="Joshi, Harshit" userId="30597ebd-45f8-44e9-a4af-78399cda5ac2" providerId="ADAL" clId="{4E89B47A-DB54-4C5E-A5E3-D670F090C987}" dt="2019-05-20T04:16:56.575" v="1423" actId="478"/>
+          <ac:spMkLst>
+            <pc:docMk/>
+            <pc:sldMk cId="1377097674" sldId="470"/>
+            <ac:spMk id="2" creationId="{0D2CF887-1655-43D0-B465-389993BD5E78}"/>
+          </ac:spMkLst>
+        </pc:spChg>
+        <pc:picChg chg="add mod">
+          <ac:chgData name="Joshi, Harshit" userId="30597ebd-45f8-44e9-a4af-78399cda5ac2" providerId="ADAL" clId="{4E89B47A-DB54-4C5E-A5E3-D670F090C987}" dt="2019-05-20T04:16:59.913" v="1424" actId="14100"/>
+          <ac:picMkLst>
+            <pc:docMk/>
+            <pc:sldMk cId="1377097674" sldId="470"/>
+            <ac:picMk id="4" creationId="{DCBD007E-8EDC-4706-9315-81FE1F8E0F79}"/>
+          </ac:picMkLst>
+        </pc:picChg>
+        <pc:picChg chg="add del">
+          <ac:chgData name="Joshi, Harshit" userId="30597ebd-45f8-44e9-a4af-78399cda5ac2" providerId="ADAL" clId="{4E89B47A-DB54-4C5E-A5E3-D670F090C987}" dt="2019-05-20T04:15:31.048" v="1420" actId="478"/>
+          <ac:picMkLst>
+            <pc:docMk/>
+            <pc:sldMk cId="1377097674" sldId="470"/>
+            <ac:picMk id="1026" creationId="{DF11218D-2C96-4ABE-BCB9-74A44EBED7BF}"/>
+          </ac:picMkLst>
+        </pc:picChg>
+      </pc:sldChg>
+      <pc:sldChg chg="addSp delSp modSp add">
+        <pc:chgData name="Joshi, Harshit" userId="30597ebd-45f8-44e9-a4af-78399cda5ac2" providerId="ADAL" clId="{4E89B47A-DB54-4C5E-A5E3-D670F090C987}" dt="2019-05-20T04:18:50.173" v="1431" actId="478"/>
+        <pc:sldMkLst>
+          <pc:docMk/>
+          <pc:sldMk cId="1985559314" sldId="471"/>
+        </pc:sldMkLst>
+        <pc:spChg chg="del">
+          <ac:chgData name="Joshi, Harshit" userId="30597ebd-45f8-44e9-a4af-78399cda5ac2" providerId="ADAL" clId="{4E89B47A-DB54-4C5E-A5E3-D670F090C987}" dt="2019-05-20T04:18:50.173" v="1431" actId="478"/>
+          <ac:spMkLst>
+            <pc:docMk/>
+            <pc:sldMk cId="1985559314" sldId="471"/>
+            <ac:spMk id="2" creationId="{33597BD7-0B46-4FC7-9250-F28A821B2C4A}"/>
+          </ac:spMkLst>
+        </pc:spChg>
+        <pc:picChg chg="add mod">
+          <ac:chgData name="Joshi, Harshit" userId="30597ebd-45f8-44e9-a4af-78399cda5ac2" providerId="ADAL" clId="{4E89B47A-DB54-4C5E-A5E3-D670F090C987}" dt="2019-05-20T04:18:48.446" v="1430" actId="1076"/>
+          <ac:picMkLst>
+            <pc:docMk/>
+            <pc:sldMk cId="1985559314" sldId="471"/>
+            <ac:picMk id="3" creationId="{EAAECE40-7AF7-421B-B4B6-F4178CC877C5}"/>
+          </ac:picMkLst>
+        </pc:picChg>
+      </pc:sldChg>
     </pc:docChg>
   </pc:docChgLst>
 </pc:chgInfo>
@@ -1909,7 +1965,7 @@
   <inkml:trace contextRef="#ctx0" brushRef="#br0" timeOffset="118429.079">5656 226</inkml:trace>
   <inkml:trace contextRef="#ctx0" brushRef="#br1" timeOffset="128843.985">2263 21</inkml:trace>
   <inkml:trace contextRef="#ctx0" brushRef="#br1" timeOffset="132326.4">2276 1,'0'1,"0"1,2 2,3 0,0 0,1-1,0 2,-2 0,0 0,-3 1,0 1,0-1,-2 2,2 0,1 2,-1-1,0 1,-1-1</inkml:trace>
-  <inkml:trace contextRef="#ctx0" brushRef="#br1" timeOffset="133861.889">2316 47,'-1'14,"1"-12,-1 0,1-1,-1 1,1 0,0-1,0 1,0 0,0-1,0 1,0 0,1-1,-1 1,0-1,1 1,-1 0,1-1,0 1,-1-1,1 1,0-1,0 0,0 1,0-1,0 0,0 1,0-1,1 0,-1 0,0 0,1 0,-1 0,2 0,35 53,-36-47</inkml:trace>
+  <inkml:trace contextRef="#ctx0" brushRef="#br1" timeOffset="133861.888">2316 47,'-1'14,"1"-12,-1 0,1-1,-1 1,1 0,0-1,0 1,0 0,0-1,0 1,0 0,1-1,-1 1,0-1,1 1,-1 0,1-1,0 1,-1-1,1 1,0-1,0 0,0 1,0-1,0 0,0 1,0-1,1 0,-1 0,0 0,1 0,-1 0,2 0,35 53,-36-47</inkml:trace>
 </inkml:ink>
 </file>
 
@@ -1990,7 +2046,7 @@
   <inkml:trace contextRef="#ctx0" brushRef="#br0" timeOffset="-159087.843">381 219</inkml:trace>
   <inkml:trace contextRef="#ctx0" brushRef="#br0" timeOffset="-157736.279">553 179</inkml:trace>
   <inkml:trace contextRef="#ctx0" brushRef="#br0" timeOffset="-157351.889">599 186</inkml:trace>
-  <inkml:trace contextRef="#ctx0" brushRef="#br0" timeOffset="-156951.648">626 173</inkml:trace>
+  <inkml:trace contextRef="#ctx0" brushRef="#br0" timeOffset="-156951.649">626 173</inkml:trace>
   <inkml:trace contextRef="#ctx0" brushRef="#br0" timeOffset="-155751.781">712 166</inkml:trace>
   <inkml:trace contextRef="#ctx0" brushRef="#br0" timeOffset="-154444.026">692 166,'-1'2,"-1"1</inkml:trace>
   <inkml:trace contextRef="#ctx0" brushRef="#br1" timeOffset="-147374.738">414 1</inkml:trace>
@@ -2133,7 +2189,7 @@
     </inkml:brush>
   </inkml:definitions>
   <inkml:trace contextRef="#ctx0" brushRef="#br0">0 0</inkml:trace>
-  <inkml:trace contextRef="#ctx0" brushRef="#br0" timeOffset="311.999">0 0</inkml:trace>
+  <inkml:trace contextRef="#ctx0" brushRef="#br0" timeOffset="311.998">0 0</inkml:trace>
 </inkml:ink>
 </file>
 
@@ -2484,7 +2540,7 @@
             <a:fld id="{7D8C2C35-2B8A-446E-BEC0-FD36716C29AC}" type="slidenum">
               <a:rPr lang="de-DE" smtClean="0"/>
               <a:pPr/>
-              <a:t>23</a:t>
+              <a:t>25</a:t>
             </a:fld>
             <a:endParaRPr lang="de-DE" dirty="0"/>
           </a:p>
@@ -10479,6 +10535,66 @@
           <a:chExt cx="0" cy="0"/>
         </a:xfrm>
       </p:grpSpPr>
+      <p:pic>
+        <p:nvPicPr>
+          <p:cNvPr id="4" name="Picture 3">
+            <a:extLst>
+              <a:ext uri="{FF2B5EF4-FFF2-40B4-BE49-F238E27FC236}">
+                <a16:creationId xmlns:a16="http://schemas.microsoft.com/office/drawing/2014/main" id="{DCBD007E-8EDC-4706-9315-81FE1F8E0F79}"/>
+              </a:ext>
+            </a:extLst>
+          </p:cNvPr>
+          <p:cNvPicPr>
+            <a:picLocks noChangeAspect="1"/>
+          </p:cNvPicPr>
+          <p:nvPr/>
+        </p:nvPicPr>
+        <p:blipFill>
+          <a:blip r:embed="rId2"/>
+          <a:stretch>
+            <a:fillRect/>
+          </a:stretch>
+        </p:blipFill>
+        <p:spPr>
+          <a:xfrm>
+            <a:off x="1770077" y="183367"/>
+            <a:ext cx="8196044" cy="6147034"/>
+          </a:xfrm>
+          <a:prstGeom prst="rect">
+            <a:avLst/>
+          </a:prstGeom>
+        </p:spPr>
+      </p:pic>
+    </p:spTree>
+    <p:extLst>
+      <p:ext uri="{BB962C8B-B14F-4D97-AF65-F5344CB8AC3E}">
+        <p14:creationId xmlns:p14="http://schemas.microsoft.com/office/powerpoint/2010/main" val="1377097674"/>
+      </p:ext>
+    </p:extLst>
+  </p:cSld>
+  <p:clrMapOvr>
+    <a:masterClrMapping/>
+  </p:clrMapOvr>
+</p:sld>
+</file>
+
+<file path=ppt/slides/slide12.xml><?xml version="1.0" encoding="utf-8"?>
+<p:sld xmlns:a="http://schemas.openxmlformats.org/drawingml/2006/main" xmlns:r="http://schemas.openxmlformats.org/officeDocument/2006/relationships" xmlns:p="http://schemas.openxmlformats.org/presentationml/2006/main">
+  <p:cSld>
+    <p:spTree>
+      <p:nvGrpSpPr>
+        <p:cNvPr id="1" name=""/>
+        <p:cNvGrpSpPr/>
+        <p:nvPr/>
+      </p:nvGrpSpPr>
+      <p:grpSpPr>
+        <a:xfrm>
+          <a:off x="0" y="0"/>
+          <a:ext cx="0" cy="0"/>
+          <a:chOff x="0" y="0"/>
+          <a:chExt cx="0" cy="0"/>
+        </a:xfrm>
+      </p:grpSpPr>
       <p:sp>
         <p:nvSpPr>
           <p:cNvPr id="2" name="Title 1">
@@ -10652,7 +10768,7 @@
 </p:sld>
 </file>
 
-<file path=ppt/slides/slide12.xml><?xml version="1.0" encoding="utf-8"?>
+<file path=ppt/slides/slide13.xml><?xml version="1.0" encoding="utf-8"?>
 <p:sld xmlns:a="http://schemas.openxmlformats.org/drawingml/2006/main" xmlns:r="http://schemas.openxmlformats.org/officeDocument/2006/relationships" xmlns:p="http://schemas.openxmlformats.org/presentationml/2006/main">
   <p:cSld>
     <p:spTree>
@@ -10756,8 +10872,8 @@
           </a:prstGeom>
         </p:spPr>
       </p:pic>
-      <mc:AlternateContent xmlns:mc="http://schemas.openxmlformats.org/markup-compatibility/2006">
-        <mc:Choice xmlns:p14="http://schemas.microsoft.com/office/powerpoint/2010/main" Requires="p14">
+      <mc:AlternateContent xmlns:mc="http://schemas.openxmlformats.org/markup-compatibility/2006" xmlns:p14="http://schemas.microsoft.com/office/powerpoint/2010/main">
+        <mc:Choice Requires="p14">
           <p:contentPart p14:bwMode="auto" r:id="rId4">
             <p14:nvContentPartPr>
               <p14:cNvPr id="7" name="Ink 6">
@@ -10776,7 +10892,7 @@
             </p14:xfrm>
           </p:contentPart>
         </mc:Choice>
-        <mc:Fallback>
+        <mc:Fallback xmlns="">
           <p:pic>
             <p:nvPicPr>
               <p:cNvPr id="7" name="Ink 6">
@@ -10807,8 +10923,8 @@
           </p:pic>
         </mc:Fallback>
       </mc:AlternateContent>
-      <mc:AlternateContent xmlns:mc="http://schemas.openxmlformats.org/markup-compatibility/2006">
-        <mc:Choice xmlns:p14="http://schemas.microsoft.com/office/powerpoint/2010/main" Requires="p14">
+      <mc:AlternateContent xmlns:mc="http://schemas.openxmlformats.org/markup-compatibility/2006" xmlns:p14="http://schemas.microsoft.com/office/powerpoint/2010/main">
+        <mc:Choice Requires="p14">
           <p:contentPart p14:bwMode="auto" r:id="rId6">
             <p14:nvContentPartPr>
               <p14:cNvPr id="8" name="Ink 7">
@@ -10827,7 +10943,7 @@
             </p14:xfrm>
           </p:contentPart>
         </mc:Choice>
-        <mc:Fallback>
+        <mc:Fallback xmlns="">
           <p:pic>
             <p:nvPicPr>
               <p:cNvPr id="8" name="Ink 7">
@@ -10858,8 +10974,8 @@
           </p:pic>
         </mc:Fallback>
       </mc:AlternateContent>
-      <mc:AlternateContent xmlns:mc="http://schemas.openxmlformats.org/markup-compatibility/2006">
-        <mc:Choice xmlns:p14="http://schemas.microsoft.com/office/powerpoint/2010/main" Requires="p14">
+      <mc:AlternateContent xmlns:mc="http://schemas.openxmlformats.org/markup-compatibility/2006" xmlns:p14="http://schemas.microsoft.com/office/powerpoint/2010/main">
+        <mc:Choice Requires="p14">
           <p:contentPart p14:bwMode="auto" r:id="rId8">
             <p14:nvContentPartPr>
               <p14:cNvPr id="9" name="Ink 8">
@@ -10878,7 +10994,7 @@
             </p14:xfrm>
           </p:contentPart>
         </mc:Choice>
-        <mc:Fallback>
+        <mc:Fallback xmlns="">
           <p:pic>
             <p:nvPicPr>
               <p:cNvPr id="9" name="Ink 8">
@@ -10909,8 +11025,8 @@
           </p:pic>
         </mc:Fallback>
       </mc:AlternateContent>
-      <mc:AlternateContent xmlns:mc="http://schemas.openxmlformats.org/markup-compatibility/2006">
-        <mc:Choice xmlns:p14="http://schemas.microsoft.com/office/powerpoint/2010/main" Requires="p14">
+      <mc:AlternateContent xmlns:mc="http://schemas.openxmlformats.org/markup-compatibility/2006" xmlns:p14="http://schemas.microsoft.com/office/powerpoint/2010/main">
+        <mc:Choice Requires="p14">
           <p:contentPart p14:bwMode="auto" r:id="rId10">
             <p14:nvContentPartPr>
               <p14:cNvPr id="10" name="Ink 9">
@@ -10929,7 +11045,7 @@
             </p14:xfrm>
           </p:contentPart>
         </mc:Choice>
-        <mc:Fallback>
+        <mc:Fallback xmlns="">
           <p:pic>
             <p:nvPicPr>
               <p:cNvPr id="10" name="Ink 9">
@@ -10960,8 +11076,8 @@
           </p:pic>
         </mc:Fallback>
       </mc:AlternateContent>
-      <mc:AlternateContent xmlns:mc="http://schemas.openxmlformats.org/markup-compatibility/2006">
-        <mc:Choice xmlns:p14="http://schemas.microsoft.com/office/powerpoint/2010/main" Requires="p14">
+      <mc:AlternateContent xmlns:mc="http://schemas.openxmlformats.org/markup-compatibility/2006" xmlns:p14="http://schemas.microsoft.com/office/powerpoint/2010/main">
+        <mc:Choice Requires="p14">
           <p:contentPart p14:bwMode="auto" r:id="rId11">
             <p14:nvContentPartPr>
               <p14:cNvPr id="13" name="Ink 12">
@@ -10980,7 +11096,7 @@
             </p14:xfrm>
           </p:contentPart>
         </mc:Choice>
-        <mc:Fallback>
+        <mc:Fallback xmlns="">
           <p:pic>
             <p:nvPicPr>
               <p:cNvPr id="13" name="Ink 12">
@@ -11011,8 +11127,8 @@
           </p:pic>
         </mc:Fallback>
       </mc:AlternateContent>
-      <mc:AlternateContent xmlns:mc="http://schemas.openxmlformats.org/markup-compatibility/2006">
-        <mc:Choice xmlns:p14="http://schemas.microsoft.com/office/powerpoint/2010/main" Requires="p14">
+      <mc:AlternateContent xmlns:mc="http://schemas.openxmlformats.org/markup-compatibility/2006" xmlns:p14="http://schemas.microsoft.com/office/powerpoint/2010/main">
+        <mc:Choice Requires="p14">
           <p:contentPart p14:bwMode="auto" r:id="rId12">
             <p14:nvContentPartPr>
               <p14:cNvPr id="14" name="Ink 13">
@@ -11031,7 +11147,7 @@
             </p14:xfrm>
           </p:contentPart>
         </mc:Choice>
-        <mc:Fallback>
+        <mc:Fallback xmlns="">
           <p:pic>
             <p:nvPicPr>
               <p:cNvPr id="14" name="Ink 13">
@@ -11062,8 +11178,8 @@
           </p:pic>
         </mc:Fallback>
       </mc:AlternateContent>
-      <mc:AlternateContent xmlns:mc="http://schemas.openxmlformats.org/markup-compatibility/2006">
-        <mc:Choice xmlns:p14="http://schemas.microsoft.com/office/powerpoint/2010/main" Requires="p14">
+      <mc:AlternateContent xmlns:mc="http://schemas.openxmlformats.org/markup-compatibility/2006" xmlns:p14="http://schemas.microsoft.com/office/powerpoint/2010/main">
+        <mc:Choice Requires="p14">
           <p:contentPart p14:bwMode="auto" r:id="rId14">
             <p14:nvContentPartPr>
               <p14:cNvPr id="17" name="Ink 16">
@@ -11082,7 +11198,7 @@
             </p14:xfrm>
           </p:contentPart>
         </mc:Choice>
-        <mc:Fallback>
+        <mc:Fallback xmlns="">
           <p:pic>
             <p:nvPicPr>
               <p:cNvPr id="17" name="Ink 16">
@@ -11143,8 +11259,8 @@
           </a:prstGeom>
         </p:spPr>
       </p:pic>
-      <mc:AlternateContent xmlns:mc="http://schemas.openxmlformats.org/markup-compatibility/2006">
-        <mc:Choice xmlns:p14="http://schemas.microsoft.com/office/powerpoint/2010/main" Requires="p14">
+      <mc:AlternateContent xmlns:mc="http://schemas.openxmlformats.org/markup-compatibility/2006" xmlns:p14="http://schemas.microsoft.com/office/powerpoint/2010/main">
+        <mc:Choice Requires="p14">
           <p:contentPart p14:bwMode="auto" r:id="rId16">
             <p14:nvContentPartPr>
               <p14:cNvPr id="19" name="Ink 18">
@@ -11163,7 +11279,7 @@
             </p14:xfrm>
           </p:contentPart>
         </mc:Choice>
-        <mc:Fallback>
+        <mc:Fallback xmlns="">
           <p:pic>
             <p:nvPicPr>
               <p:cNvPr id="19" name="Ink 18">
@@ -11194,8 +11310,8 @@
           </p:pic>
         </mc:Fallback>
       </mc:AlternateContent>
-      <mc:AlternateContent xmlns:mc="http://schemas.openxmlformats.org/markup-compatibility/2006">
-        <mc:Choice xmlns:p14="http://schemas.microsoft.com/office/powerpoint/2010/main" Requires="p14">
+      <mc:AlternateContent xmlns:mc="http://schemas.openxmlformats.org/markup-compatibility/2006" xmlns:p14="http://schemas.microsoft.com/office/powerpoint/2010/main">
+        <mc:Choice Requires="p14">
           <p:contentPart p14:bwMode="auto" r:id="rId18">
             <p14:nvContentPartPr>
               <p14:cNvPr id="22" name="Ink 21">
@@ -11214,7 +11330,7 @@
             </p14:xfrm>
           </p:contentPart>
         </mc:Choice>
-        <mc:Fallback>
+        <mc:Fallback xmlns="">
           <p:pic>
             <p:nvPicPr>
               <p:cNvPr id="22" name="Ink 21">
@@ -11245,8 +11361,8 @@
           </p:pic>
         </mc:Fallback>
       </mc:AlternateContent>
-      <mc:AlternateContent xmlns:mc="http://schemas.openxmlformats.org/markup-compatibility/2006">
-        <mc:Choice xmlns:p14="http://schemas.microsoft.com/office/powerpoint/2010/main" Requires="p14">
+      <mc:AlternateContent xmlns:mc="http://schemas.openxmlformats.org/markup-compatibility/2006" xmlns:p14="http://schemas.microsoft.com/office/powerpoint/2010/main">
+        <mc:Choice Requires="p14">
           <p:contentPart p14:bwMode="auto" r:id="rId20">
             <p14:nvContentPartPr>
               <p14:cNvPr id="23" name="Ink 22">
@@ -11265,7 +11381,7 @@
             </p14:xfrm>
           </p:contentPart>
         </mc:Choice>
-        <mc:Fallback>
+        <mc:Fallback xmlns="">
           <p:pic>
             <p:nvPicPr>
               <p:cNvPr id="23" name="Ink 22">
@@ -11309,7 +11425,7 @@
 </p:sld>
 </file>
 
-<file path=ppt/slides/slide13.xml><?xml version="1.0" encoding="utf-8"?>
+<file path=ppt/slides/slide14.xml><?xml version="1.0" encoding="utf-8"?>
 <p:sld xmlns:a="http://schemas.openxmlformats.org/drawingml/2006/main" xmlns:r="http://schemas.openxmlformats.org/officeDocument/2006/relationships" xmlns:p="http://schemas.openxmlformats.org/presentationml/2006/main">
   <p:cSld>
     <p:spTree>
@@ -11962,7 +12078,7 @@
 </p:sld>
 </file>
 
-<file path=ppt/slides/slide14.xml><?xml version="1.0" encoding="utf-8"?>
+<file path=ppt/slides/slide15.xml><?xml version="1.0" encoding="utf-8"?>
 <p:sld xmlns:a="http://schemas.openxmlformats.org/drawingml/2006/main" xmlns:r="http://schemas.openxmlformats.org/officeDocument/2006/relationships" xmlns:p="http://schemas.openxmlformats.org/presentationml/2006/main">
   <p:cSld>
     <p:spTree>
@@ -12078,7 +12194,7 @@
 </p:sld>
 </file>
 
-<file path=ppt/slides/slide15.xml><?xml version="1.0" encoding="utf-8"?>
+<file path=ppt/slides/slide16.xml><?xml version="1.0" encoding="utf-8"?>
 <p:sld xmlns:a="http://schemas.openxmlformats.org/drawingml/2006/main" xmlns:r="http://schemas.openxmlformats.org/officeDocument/2006/relationships" xmlns:p="http://schemas.openxmlformats.org/presentationml/2006/main">
   <p:cSld>
     <p:spTree>
@@ -12166,7 +12282,7 @@
 </p:sld>
 </file>
 
-<file path=ppt/slides/slide16.xml><?xml version="1.0" encoding="utf-8"?>
+<file path=ppt/slides/slide17.xml><?xml version="1.0" encoding="utf-8"?>
 <p:sld xmlns:a="http://schemas.openxmlformats.org/drawingml/2006/main" xmlns:r="http://schemas.openxmlformats.org/officeDocument/2006/relationships" xmlns:p="http://schemas.openxmlformats.org/presentationml/2006/main">
   <p:cSld>
     <p:spTree>
@@ -12284,7 +12400,7 @@
 </p:sld>
 </file>
 
-<file path=ppt/slides/slide17.xml><?xml version="1.0" encoding="utf-8"?>
+<file path=ppt/slides/slide18.xml><?xml version="1.0" encoding="utf-8"?>
 <p:sld xmlns:a="http://schemas.openxmlformats.org/drawingml/2006/main" xmlns:r="http://schemas.openxmlformats.org/officeDocument/2006/relationships" xmlns:p="http://schemas.openxmlformats.org/presentationml/2006/main">
   <p:cSld>
     <p:spTree>
@@ -12369,7 +12485,7 @@
 </p:sld>
 </file>
 
-<file path=ppt/slides/slide18.xml><?xml version="1.0" encoding="utf-8"?>
+<file path=ppt/slides/slide19.xml><?xml version="1.0" encoding="utf-8"?>
 <p:sld xmlns:a="http://schemas.openxmlformats.org/drawingml/2006/main" xmlns:r="http://schemas.openxmlformats.org/officeDocument/2006/relationships" xmlns:p="http://schemas.openxmlformats.org/presentationml/2006/main">
   <p:cSld>
     <p:spTree>
@@ -12478,94 +12594,6 @@
     <p:extLst>
       <p:ext uri="{BB962C8B-B14F-4D97-AF65-F5344CB8AC3E}">
         <p14:creationId xmlns:p14="http://schemas.microsoft.com/office/powerpoint/2010/main" val="3691051220"/>
-      </p:ext>
-    </p:extLst>
-  </p:cSld>
-  <p:clrMapOvr>
-    <a:masterClrMapping/>
-  </p:clrMapOvr>
-</p:sld>
-</file>
-
-<file path=ppt/slides/slide19.xml><?xml version="1.0" encoding="utf-8"?>
-<p:sld xmlns:a="http://schemas.openxmlformats.org/drawingml/2006/main" xmlns:r="http://schemas.openxmlformats.org/officeDocument/2006/relationships" xmlns:p="http://schemas.openxmlformats.org/presentationml/2006/main">
-  <p:cSld>
-    <p:spTree>
-      <p:nvGrpSpPr>
-        <p:cNvPr id="1" name=""/>
-        <p:cNvGrpSpPr/>
-        <p:nvPr/>
-      </p:nvGrpSpPr>
-      <p:grpSpPr>
-        <a:xfrm>
-          <a:off x="0" y="0"/>
-          <a:ext cx="0" cy="0"/>
-          <a:chOff x="0" y="0"/>
-          <a:chExt cx="0" cy="0"/>
-        </a:xfrm>
-      </p:grpSpPr>
-      <p:sp>
-        <p:nvSpPr>
-          <p:cNvPr id="2" name="Title 1">
-            <a:extLst>
-              <a:ext uri="{FF2B5EF4-FFF2-40B4-BE49-F238E27FC236}">
-                <a16:creationId xmlns:a16="http://schemas.microsoft.com/office/drawing/2014/main" id="{7FBA4B1D-FA6D-4EDB-9B3C-26FA43771A1B}"/>
-              </a:ext>
-            </a:extLst>
-          </p:cNvPr>
-          <p:cNvSpPr>
-            <a:spLocks noGrp="1"/>
-          </p:cNvSpPr>
-          <p:nvPr>
-            <p:ph type="title"/>
-          </p:nvPr>
-        </p:nvSpPr>
-        <p:spPr/>
-        <p:txBody>
-          <a:bodyPr/>
-          <a:lstStyle/>
-          <a:p>
-            <a:r>
-              <a:rPr lang="en-US" dirty="0"/>
-              <a:t>Choosing the value of K</a:t>
-            </a:r>
-          </a:p>
-        </p:txBody>
-      </p:sp>
-      <p:pic>
-        <p:nvPicPr>
-          <p:cNvPr id="3" name="Picture 2">
-            <a:extLst>
-              <a:ext uri="{FF2B5EF4-FFF2-40B4-BE49-F238E27FC236}">
-                <a16:creationId xmlns:a16="http://schemas.microsoft.com/office/drawing/2014/main" id="{8CBD58C0-D038-4ECA-BDD4-23FE85382C21}"/>
-              </a:ext>
-            </a:extLst>
-          </p:cNvPr>
-          <p:cNvPicPr>
-            <a:picLocks noChangeAspect="1"/>
-          </p:cNvPicPr>
-          <p:nvPr/>
-        </p:nvPicPr>
-        <p:blipFill>
-          <a:blip r:embed="rId2"/>
-          <a:stretch>
-            <a:fillRect/>
-          </a:stretch>
-        </p:blipFill>
-        <p:spPr>
-          <a:xfrm>
-            <a:off x="504001" y="1142999"/>
-            <a:ext cx="9106724" cy="4066457"/>
-          </a:xfrm>
-          <a:prstGeom prst="rect">
-            <a:avLst/>
-          </a:prstGeom>
-        </p:spPr>
-      </p:pic>
-    </p:spTree>
-    <p:extLst>
-      <p:ext uri="{BB962C8B-B14F-4D97-AF65-F5344CB8AC3E}">
-        <p14:creationId xmlns:p14="http://schemas.microsoft.com/office/powerpoint/2010/main" val="1586985380"/>
       </p:ext>
     </p:extLst>
   </p:cSld>
@@ -12863,6 +12891,94 @@
           <p:cNvPr id="2" name="Title 1">
             <a:extLst>
               <a:ext uri="{FF2B5EF4-FFF2-40B4-BE49-F238E27FC236}">
+                <a16:creationId xmlns:a16="http://schemas.microsoft.com/office/drawing/2014/main" id="{7FBA4B1D-FA6D-4EDB-9B3C-26FA43771A1B}"/>
+              </a:ext>
+            </a:extLst>
+          </p:cNvPr>
+          <p:cNvSpPr>
+            <a:spLocks noGrp="1"/>
+          </p:cNvSpPr>
+          <p:nvPr>
+            <p:ph type="title"/>
+          </p:nvPr>
+        </p:nvSpPr>
+        <p:spPr/>
+        <p:txBody>
+          <a:bodyPr/>
+          <a:lstStyle/>
+          <a:p>
+            <a:r>
+              <a:rPr lang="en-US" dirty="0"/>
+              <a:t>Choosing the value of K</a:t>
+            </a:r>
+          </a:p>
+        </p:txBody>
+      </p:sp>
+      <p:pic>
+        <p:nvPicPr>
+          <p:cNvPr id="3" name="Picture 2">
+            <a:extLst>
+              <a:ext uri="{FF2B5EF4-FFF2-40B4-BE49-F238E27FC236}">
+                <a16:creationId xmlns:a16="http://schemas.microsoft.com/office/drawing/2014/main" id="{8CBD58C0-D038-4ECA-BDD4-23FE85382C21}"/>
+              </a:ext>
+            </a:extLst>
+          </p:cNvPr>
+          <p:cNvPicPr>
+            <a:picLocks noChangeAspect="1"/>
+          </p:cNvPicPr>
+          <p:nvPr/>
+        </p:nvPicPr>
+        <p:blipFill>
+          <a:blip r:embed="rId2"/>
+          <a:stretch>
+            <a:fillRect/>
+          </a:stretch>
+        </p:blipFill>
+        <p:spPr>
+          <a:xfrm>
+            <a:off x="504001" y="1142999"/>
+            <a:ext cx="9106724" cy="4066457"/>
+          </a:xfrm>
+          <a:prstGeom prst="rect">
+            <a:avLst/>
+          </a:prstGeom>
+        </p:spPr>
+      </p:pic>
+    </p:spTree>
+    <p:extLst>
+      <p:ext uri="{BB962C8B-B14F-4D97-AF65-F5344CB8AC3E}">
+        <p14:creationId xmlns:p14="http://schemas.microsoft.com/office/powerpoint/2010/main" val="1586985380"/>
+      </p:ext>
+    </p:extLst>
+  </p:cSld>
+  <p:clrMapOvr>
+    <a:masterClrMapping/>
+  </p:clrMapOvr>
+</p:sld>
+</file>
+
+<file path=ppt/slides/slide21.xml><?xml version="1.0" encoding="utf-8"?>
+<p:sld xmlns:a="http://schemas.openxmlformats.org/drawingml/2006/main" xmlns:r="http://schemas.openxmlformats.org/officeDocument/2006/relationships" xmlns:p="http://schemas.openxmlformats.org/presentationml/2006/main">
+  <p:cSld>
+    <p:spTree>
+      <p:nvGrpSpPr>
+        <p:cNvPr id="1" name=""/>
+        <p:cNvGrpSpPr/>
+        <p:nvPr/>
+      </p:nvGrpSpPr>
+      <p:grpSpPr>
+        <a:xfrm>
+          <a:off x="0" y="0"/>
+          <a:ext cx="0" cy="0"/>
+          <a:chOff x="0" y="0"/>
+          <a:chExt cx="0" cy="0"/>
+        </a:xfrm>
+      </p:grpSpPr>
+      <p:sp>
+        <p:nvSpPr>
+          <p:cNvPr id="2" name="Title 1">
+            <a:extLst>
+              <a:ext uri="{FF2B5EF4-FFF2-40B4-BE49-F238E27FC236}">
                 <a16:creationId xmlns:a16="http://schemas.microsoft.com/office/drawing/2014/main" id="{9D09CFA9-AECF-4970-8021-EF45BE2141A0}"/>
               </a:ext>
             </a:extLst>
@@ -12956,7 +13072,7 @@
 </p:sld>
 </file>
 
-<file path=ppt/slides/slide21.xml><?xml version="1.0" encoding="utf-8"?>
+<file path=ppt/slides/slide22.xml><?xml version="1.0" encoding="utf-8"?>
 <p:sld xmlns:a="http://schemas.openxmlformats.org/drawingml/2006/main" xmlns:r="http://schemas.openxmlformats.org/officeDocument/2006/relationships" xmlns:p="http://schemas.openxmlformats.org/presentationml/2006/main">
   <p:cSld>
     <p:spTree>
@@ -13044,7 +13160,67 @@
 </p:sld>
 </file>
 
-<file path=ppt/slides/slide22.xml><?xml version="1.0" encoding="utf-8"?>
+<file path=ppt/slides/slide23.xml><?xml version="1.0" encoding="utf-8"?>
+<p:sld xmlns:a="http://schemas.openxmlformats.org/drawingml/2006/main" xmlns:r="http://schemas.openxmlformats.org/officeDocument/2006/relationships" xmlns:p="http://schemas.openxmlformats.org/presentationml/2006/main">
+  <p:cSld>
+    <p:spTree>
+      <p:nvGrpSpPr>
+        <p:cNvPr id="1" name=""/>
+        <p:cNvGrpSpPr/>
+        <p:nvPr/>
+      </p:nvGrpSpPr>
+      <p:grpSpPr>
+        <a:xfrm>
+          <a:off x="0" y="0"/>
+          <a:ext cx="0" cy="0"/>
+          <a:chOff x="0" y="0"/>
+          <a:chExt cx="0" cy="0"/>
+        </a:xfrm>
+      </p:grpSpPr>
+      <p:pic>
+        <p:nvPicPr>
+          <p:cNvPr id="3" name="Picture 2">
+            <a:extLst>
+              <a:ext uri="{FF2B5EF4-FFF2-40B4-BE49-F238E27FC236}">
+                <a16:creationId xmlns:a16="http://schemas.microsoft.com/office/drawing/2014/main" id="{EAAECE40-7AF7-421B-B4B6-F4178CC877C5}"/>
+              </a:ext>
+            </a:extLst>
+          </p:cNvPr>
+          <p:cNvPicPr>
+            <a:picLocks noChangeAspect="1"/>
+          </p:cNvPicPr>
+          <p:nvPr/>
+        </p:nvPicPr>
+        <p:blipFill>
+          <a:blip r:embed="rId2"/>
+          <a:stretch>
+            <a:fillRect/>
+          </a:stretch>
+        </p:blipFill>
+        <p:spPr>
+          <a:xfrm>
+            <a:off x="1253541" y="1780154"/>
+            <a:ext cx="9688091" cy="3831032"/>
+          </a:xfrm>
+          <a:prstGeom prst="rect">
+            <a:avLst/>
+          </a:prstGeom>
+        </p:spPr>
+      </p:pic>
+    </p:spTree>
+    <p:extLst>
+      <p:ext uri="{BB962C8B-B14F-4D97-AF65-F5344CB8AC3E}">
+        <p14:creationId xmlns:p14="http://schemas.microsoft.com/office/powerpoint/2010/main" val="1985559314"/>
+      </p:ext>
+    </p:extLst>
+  </p:cSld>
+  <p:clrMapOvr>
+    <a:masterClrMapping/>
+  </p:clrMapOvr>
+</p:sld>
+</file>
+
+<file path=ppt/slides/slide24.xml><?xml version="1.0" encoding="utf-8"?>
 <p:sld xmlns:a="http://schemas.openxmlformats.org/drawingml/2006/main" xmlns:r="http://schemas.openxmlformats.org/officeDocument/2006/relationships" xmlns:p="http://schemas.openxmlformats.org/presentationml/2006/main">
   <p:cSld>
     <p:spTree>
@@ -13096,7 +13272,7 @@
 </p:sld>
 </file>
 
-<file path=ppt/slides/slide23.xml><?xml version="1.0" encoding="utf-8"?>
+<file path=ppt/slides/slide25.xml><?xml version="1.0" encoding="utf-8"?>
 <p:sld xmlns:a="http://schemas.openxmlformats.org/drawingml/2006/main" xmlns:r="http://schemas.openxmlformats.org/officeDocument/2006/relationships" xmlns:p="http://schemas.openxmlformats.org/presentationml/2006/main" show="0">
   <p:cSld>
     <p:spTree>
@@ -13122,7 +13298,7 @@
 </p:sld>
 </file>
 
-<file path=ppt/slides/slide24.xml><?xml version="1.0" encoding="utf-8"?>
+<file path=ppt/slides/slide26.xml><?xml version="1.0" encoding="utf-8"?>
 <p:sld xmlns:a="http://schemas.openxmlformats.org/drawingml/2006/main" xmlns:r="http://schemas.openxmlformats.org/officeDocument/2006/relationships" xmlns:p="http://schemas.openxmlformats.org/presentationml/2006/main" show="0">
   <p:cSld>
     <p:spTree>
